--- a/1st-Sem-Chem-Cycle/Subject_Files/chemistry/Unit 3/Unit 3 class 27 -Zinc -air battery.pptx
+++ b/1st-Sem-Chem-Cycle/Subject_Files/chemistry/Unit 3/Unit 3 class 27 -Zinc -air battery.pptx
@@ -124,7 +124,7 @@
   </p:defaultTextStyle>
   <p:extLst>
     <p:ext uri="{EFAFB233-063F-42B5-8137-9DF3F51BA10A}">
-      <p15:sldGuideLst xmlns:p15="http://schemas.microsoft.com/office/powerpoint/2012/main" xmlns="">
+      <p15:sldGuideLst xmlns:p15="http://schemas.microsoft.com/office/powerpoint/2012/main">
         <p15:guide id="1" orient="horz" pos="2160">
           <p15:clr>
             <a:srgbClr val="A4A3A4"/>
@@ -179,7 +179,7 @@
           <p:cNvPr id="2" name="Title 1">
             <a:extLst>
               <a:ext uri="{FF2B5EF4-FFF2-40B4-BE49-F238E27FC236}">
-                <a16:creationId xmlns:a16="http://schemas.microsoft.com/office/drawing/2014/main" xmlns="" id="{52EC3D4B-626B-4009-8192-CEAEED1423ED}"/>
+                <a16:creationId xmlns:a16="http://schemas.microsoft.com/office/drawing/2014/main" id="{52EC3D4B-626B-4009-8192-CEAEED1423ED}"/>
               </a:ext>
             </a:extLst>
           </p:cNvPr>
@@ -217,7 +217,7 @@
           <p:cNvPr id="3" name="Subtitle 2">
             <a:extLst>
               <a:ext uri="{FF2B5EF4-FFF2-40B4-BE49-F238E27FC236}">
-                <a16:creationId xmlns:a16="http://schemas.microsoft.com/office/drawing/2014/main" xmlns="" id="{6A51827C-B164-4C81-9990-CA48A6D6954F}"/>
+                <a16:creationId xmlns:a16="http://schemas.microsoft.com/office/drawing/2014/main" id="{6A51827C-B164-4C81-9990-CA48A6D6954F}"/>
               </a:ext>
             </a:extLst>
           </p:cNvPr>
@@ -288,7 +288,7 @@
           <p:cNvPr id="4" name="Date Placeholder 3">
             <a:extLst>
               <a:ext uri="{FF2B5EF4-FFF2-40B4-BE49-F238E27FC236}">
-                <a16:creationId xmlns:a16="http://schemas.microsoft.com/office/drawing/2014/main" xmlns="" id="{507DF93E-677D-48F6-8B5A-46E43F2C154F}"/>
+                <a16:creationId xmlns:a16="http://schemas.microsoft.com/office/drawing/2014/main" id="{507DF93E-677D-48F6-8B5A-46E43F2C154F}"/>
               </a:ext>
             </a:extLst>
           </p:cNvPr>
@@ -307,7 +307,7 @@
             <a:fld id="{C0697723-E498-4D64-BBB6-490ED1364AC9}" type="datetimeFigureOut">
               <a:rPr lang="en-IN" smtClean="0"/>
               <a:pPr/>
-              <a:t>01-01-2023</a:t>
+              <a:t>25-01-2025</a:t>
             </a:fld>
             <a:endParaRPr lang="en-IN"/>
           </a:p>
@@ -318,7 +318,7 @@
           <p:cNvPr id="5" name="Footer Placeholder 4">
             <a:extLst>
               <a:ext uri="{FF2B5EF4-FFF2-40B4-BE49-F238E27FC236}">
-                <a16:creationId xmlns:a16="http://schemas.microsoft.com/office/drawing/2014/main" xmlns="" id="{B1DF4446-763D-4DB5-A60E-E76234DDA4B8}"/>
+                <a16:creationId xmlns:a16="http://schemas.microsoft.com/office/drawing/2014/main" id="{B1DF4446-763D-4DB5-A60E-E76234DDA4B8}"/>
               </a:ext>
             </a:extLst>
           </p:cNvPr>
@@ -343,7 +343,7 @@
           <p:cNvPr id="6" name="Slide Number Placeholder 5">
             <a:extLst>
               <a:ext uri="{FF2B5EF4-FFF2-40B4-BE49-F238E27FC236}">
-                <a16:creationId xmlns:a16="http://schemas.microsoft.com/office/drawing/2014/main" xmlns="" id="{E782FF9A-F0E6-4BE5-A785-09D93A759624}"/>
+                <a16:creationId xmlns:a16="http://schemas.microsoft.com/office/drawing/2014/main" id="{E782FF9A-F0E6-4BE5-A785-09D93A759624}"/>
               </a:ext>
             </a:extLst>
           </p:cNvPr>
@@ -403,7 +403,7 @@
           <p:cNvPr id="2" name="Title 1">
             <a:extLst>
               <a:ext uri="{FF2B5EF4-FFF2-40B4-BE49-F238E27FC236}">
-                <a16:creationId xmlns:a16="http://schemas.microsoft.com/office/drawing/2014/main" xmlns="" id="{9BEE96CC-24D7-4AC0-845A-98CA572FE6D7}"/>
+                <a16:creationId xmlns:a16="http://schemas.microsoft.com/office/drawing/2014/main" id="{9BEE96CC-24D7-4AC0-845A-98CA572FE6D7}"/>
               </a:ext>
             </a:extLst>
           </p:cNvPr>
@@ -432,7 +432,7 @@
           <p:cNvPr id="3" name="Vertical Text Placeholder 2">
             <a:extLst>
               <a:ext uri="{FF2B5EF4-FFF2-40B4-BE49-F238E27FC236}">
-                <a16:creationId xmlns:a16="http://schemas.microsoft.com/office/drawing/2014/main" xmlns="" id="{E2261921-3E80-4007-9849-91F4F1D9CF42}"/>
+                <a16:creationId xmlns:a16="http://schemas.microsoft.com/office/drawing/2014/main" id="{E2261921-3E80-4007-9849-91F4F1D9CF42}"/>
               </a:ext>
             </a:extLst>
           </p:cNvPr>
@@ -490,7 +490,7 @@
           <p:cNvPr id="4" name="Date Placeholder 3">
             <a:extLst>
               <a:ext uri="{FF2B5EF4-FFF2-40B4-BE49-F238E27FC236}">
-                <a16:creationId xmlns:a16="http://schemas.microsoft.com/office/drawing/2014/main" xmlns="" id="{26A091F3-2079-48AC-A58B-4C729775D003}"/>
+                <a16:creationId xmlns:a16="http://schemas.microsoft.com/office/drawing/2014/main" id="{26A091F3-2079-48AC-A58B-4C729775D003}"/>
               </a:ext>
             </a:extLst>
           </p:cNvPr>
@@ -509,7 +509,7 @@
             <a:fld id="{C0697723-E498-4D64-BBB6-490ED1364AC9}" type="datetimeFigureOut">
               <a:rPr lang="en-IN" smtClean="0"/>
               <a:pPr/>
-              <a:t>01-01-2023</a:t>
+              <a:t>25-01-2025</a:t>
             </a:fld>
             <a:endParaRPr lang="en-IN"/>
           </a:p>
@@ -520,7 +520,7 @@
           <p:cNvPr id="5" name="Footer Placeholder 4">
             <a:extLst>
               <a:ext uri="{FF2B5EF4-FFF2-40B4-BE49-F238E27FC236}">
-                <a16:creationId xmlns:a16="http://schemas.microsoft.com/office/drawing/2014/main" xmlns="" id="{42536A67-7BBF-4557-B86C-E3D43DA80591}"/>
+                <a16:creationId xmlns:a16="http://schemas.microsoft.com/office/drawing/2014/main" id="{42536A67-7BBF-4557-B86C-E3D43DA80591}"/>
               </a:ext>
             </a:extLst>
           </p:cNvPr>
@@ -545,7 +545,7 @@
           <p:cNvPr id="6" name="Slide Number Placeholder 5">
             <a:extLst>
               <a:ext uri="{FF2B5EF4-FFF2-40B4-BE49-F238E27FC236}">
-                <a16:creationId xmlns:a16="http://schemas.microsoft.com/office/drawing/2014/main" xmlns="" id="{87DF2A7F-20B3-4FEC-B2FB-22B3B56A9620}"/>
+                <a16:creationId xmlns:a16="http://schemas.microsoft.com/office/drawing/2014/main" id="{87DF2A7F-20B3-4FEC-B2FB-22B3B56A9620}"/>
               </a:ext>
             </a:extLst>
           </p:cNvPr>
@@ -605,7 +605,7 @@
           <p:cNvPr id="2" name="Vertical Title 1">
             <a:extLst>
               <a:ext uri="{FF2B5EF4-FFF2-40B4-BE49-F238E27FC236}">
-                <a16:creationId xmlns:a16="http://schemas.microsoft.com/office/drawing/2014/main" xmlns="" id="{FC974505-5F88-4C68-B044-B90A875A128E}"/>
+                <a16:creationId xmlns:a16="http://schemas.microsoft.com/office/drawing/2014/main" id="{FC974505-5F88-4C68-B044-B90A875A128E}"/>
               </a:ext>
             </a:extLst>
           </p:cNvPr>
@@ -639,7 +639,7 @@
           <p:cNvPr id="3" name="Vertical Text Placeholder 2">
             <a:extLst>
               <a:ext uri="{FF2B5EF4-FFF2-40B4-BE49-F238E27FC236}">
-                <a16:creationId xmlns:a16="http://schemas.microsoft.com/office/drawing/2014/main" xmlns="" id="{98154938-180F-400A-A444-2DAC9B404CB0}"/>
+                <a16:creationId xmlns:a16="http://schemas.microsoft.com/office/drawing/2014/main" id="{98154938-180F-400A-A444-2DAC9B404CB0}"/>
               </a:ext>
             </a:extLst>
           </p:cNvPr>
@@ -702,7 +702,7 @@
           <p:cNvPr id="4" name="Date Placeholder 3">
             <a:extLst>
               <a:ext uri="{FF2B5EF4-FFF2-40B4-BE49-F238E27FC236}">
-                <a16:creationId xmlns:a16="http://schemas.microsoft.com/office/drawing/2014/main" xmlns="" id="{C744BC1C-22DF-43AD-B4A1-B55EB4C01F8A}"/>
+                <a16:creationId xmlns:a16="http://schemas.microsoft.com/office/drawing/2014/main" id="{C744BC1C-22DF-43AD-B4A1-B55EB4C01F8A}"/>
               </a:ext>
             </a:extLst>
           </p:cNvPr>
@@ -721,7 +721,7 @@
             <a:fld id="{C0697723-E498-4D64-BBB6-490ED1364AC9}" type="datetimeFigureOut">
               <a:rPr lang="en-IN" smtClean="0"/>
               <a:pPr/>
-              <a:t>01-01-2023</a:t>
+              <a:t>25-01-2025</a:t>
             </a:fld>
             <a:endParaRPr lang="en-IN"/>
           </a:p>
@@ -732,7 +732,7 @@
           <p:cNvPr id="5" name="Footer Placeholder 4">
             <a:extLst>
               <a:ext uri="{FF2B5EF4-FFF2-40B4-BE49-F238E27FC236}">
-                <a16:creationId xmlns:a16="http://schemas.microsoft.com/office/drawing/2014/main" xmlns="" id="{1C439F43-011E-4BE1-A79A-17FE1495CC2F}"/>
+                <a16:creationId xmlns:a16="http://schemas.microsoft.com/office/drawing/2014/main" id="{1C439F43-011E-4BE1-A79A-17FE1495CC2F}"/>
               </a:ext>
             </a:extLst>
           </p:cNvPr>
@@ -757,7 +757,7 @@
           <p:cNvPr id="6" name="Slide Number Placeholder 5">
             <a:extLst>
               <a:ext uri="{FF2B5EF4-FFF2-40B4-BE49-F238E27FC236}">
-                <a16:creationId xmlns:a16="http://schemas.microsoft.com/office/drawing/2014/main" xmlns="" id="{A3025448-2680-4648-B696-07B726E5BEA4}"/>
+                <a16:creationId xmlns:a16="http://schemas.microsoft.com/office/drawing/2014/main" id="{A3025448-2680-4648-B696-07B726E5BEA4}"/>
               </a:ext>
             </a:extLst>
           </p:cNvPr>
@@ -817,7 +817,7 @@
           <p:cNvPr id="2" name="Title 1">
             <a:extLst>
               <a:ext uri="{FF2B5EF4-FFF2-40B4-BE49-F238E27FC236}">
-                <a16:creationId xmlns:a16="http://schemas.microsoft.com/office/drawing/2014/main" xmlns="" id="{617E7D49-DB18-4481-BBAD-3CCDB0B6E136}"/>
+                <a16:creationId xmlns:a16="http://schemas.microsoft.com/office/drawing/2014/main" id="{617E7D49-DB18-4481-BBAD-3CCDB0B6E136}"/>
               </a:ext>
             </a:extLst>
           </p:cNvPr>
@@ -846,7 +846,7 @@
           <p:cNvPr id="3" name="Content Placeholder 2">
             <a:extLst>
               <a:ext uri="{FF2B5EF4-FFF2-40B4-BE49-F238E27FC236}">
-                <a16:creationId xmlns:a16="http://schemas.microsoft.com/office/drawing/2014/main" xmlns="" id="{37B48B0F-E770-4648-80B0-0B9A177348F8}"/>
+                <a16:creationId xmlns:a16="http://schemas.microsoft.com/office/drawing/2014/main" id="{37B48B0F-E770-4648-80B0-0B9A177348F8}"/>
               </a:ext>
             </a:extLst>
           </p:cNvPr>
@@ -904,7 +904,7 @@
           <p:cNvPr id="4" name="Date Placeholder 3">
             <a:extLst>
               <a:ext uri="{FF2B5EF4-FFF2-40B4-BE49-F238E27FC236}">
-                <a16:creationId xmlns:a16="http://schemas.microsoft.com/office/drawing/2014/main" xmlns="" id="{8689BBA6-35F4-4C69-B817-8B6D5B3C7F64}"/>
+                <a16:creationId xmlns:a16="http://schemas.microsoft.com/office/drawing/2014/main" id="{8689BBA6-35F4-4C69-B817-8B6D5B3C7F64}"/>
               </a:ext>
             </a:extLst>
           </p:cNvPr>
@@ -923,7 +923,7 @@
             <a:fld id="{C0697723-E498-4D64-BBB6-490ED1364AC9}" type="datetimeFigureOut">
               <a:rPr lang="en-IN" smtClean="0"/>
               <a:pPr/>
-              <a:t>01-01-2023</a:t>
+              <a:t>25-01-2025</a:t>
             </a:fld>
             <a:endParaRPr lang="en-IN"/>
           </a:p>
@@ -934,7 +934,7 @@
           <p:cNvPr id="5" name="Footer Placeholder 4">
             <a:extLst>
               <a:ext uri="{FF2B5EF4-FFF2-40B4-BE49-F238E27FC236}">
-                <a16:creationId xmlns:a16="http://schemas.microsoft.com/office/drawing/2014/main" xmlns="" id="{1F6B119B-E4E0-4014-B1F1-495E208A0C63}"/>
+                <a16:creationId xmlns:a16="http://schemas.microsoft.com/office/drawing/2014/main" id="{1F6B119B-E4E0-4014-B1F1-495E208A0C63}"/>
               </a:ext>
             </a:extLst>
           </p:cNvPr>
@@ -959,7 +959,7 @@
           <p:cNvPr id="6" name="Slide Number Placeholder 5">
             <a:extLst>
               <a:ext uri="{FF2B5EF4-FFF2-40B4-BE49-F238E27FC236}">
-                <a16:creationId xmlns:a16="http://schemas.microsoft.com/office/drawing/2014/main" xmlns="" id="{19B45A5E-AE1B-4A92-B64A-2F8A4786E1A2}"/>
+                <a16:creationId xmlns:a16="http://schemas.microsoft.com/office/drawing/2014/main" id="{19B45A5E-AE1B-4A92-B64A-2F8A4786E1A2}"/>
               </a:ext>
             </a:extLst>
           </p:cNvPr>
@@ -1019,7 +1019,7 @@
           <p:cNvPr id="2" name="Title 1">
             <a:extLst>
               <a:ext uri="{FF2B5EF4-FFF2-40B4-BE49-F238E27FC236}">
-                <a16:creationId xmlns:a16="http://schemas.microsoft.com/office/drawing/2014/main" xmlns="" id="{B208196D-BED0-4BD8-AB4C-B2B3CCC7D5E0}"/>
+                <a16:creationId xmlns:a16="http://schemas.microsoft.com/office/drawing/2014/main" id="{B208196D-BED0-4BD8-AB4C-B2B3CCC7D5E0}"/>
               </a:ext>
             </a:extLst>
           </p:cNvPr>
@@ -1057,7 +1057,7 @@
           <p:cNvPr id="3" name="Text Placeholder 2">
             <a:extLst>
               <a:ext uri="{FF2B5EF4-FFF2-40B4-BE49-F238E27FC236}">
-                <a16:creationId xmlns:a16="http://schemas.microsoft.com/office/drawing/2014/main" xmlns="" id="{0CC613EC-F0A0-4466-A6C2-D28B863D15D2}"/>
+                <a16:creationId xmlns:a16="http://schemas.microsoft.com/office/drawing/2014/main" id="{0CC613EC-F0A0-4466-A6C2-D28B863D15D2}"/>
               </a:ext>
             </a:extLst>
           </p:cNvPr>
@@ -1182,7 +1182,7 @@
           <p:cNvPr id="4" name="Date Placeholder 3">
             <a:extLst>
               <a:ext uri="{FF2B5EF4-FFF2-40B4-BE49-F238E27FC236}">
-                <a16:creationId xmlns:a16="http://schemas.microsoft.com/office/drawing/2014/main" xmlns="" id="{A3CF7A95-22EE-4F22-AEDA-C190D2F87D01}"/>
+                <a16:creationId xmlns:a16="http://schemas.microsoft.com/office/drawing/2014/main" id="{A3CF7A95-22EE-4F22-AEDA-C190D2F87D01}"/>
               </a:ext>
             </a:extLst>
           </p:cNvPr>
@@ -1201,7 +1201,7 @@
             <a:fld id="{C0697723-E498-4D64-BBB6-490ED1364AC9}" type="datetimeFigureOut">
               <a:rPr lang="en-IN" smtClean="0"/>
               <a:pPr/>
-              <a:t>01-01-2023</a:t>
+              <a:t>25-01-2025</a:t>
             </a:fld>
             <a:endParaRPr lang="en-IN"/>
           </a:p>
@@ -1212,7 +1212,7 @@
           <p:cNvPr id="5" name="Footer Placeholder 4">
             <a:extLst>
               <a:ext uri="{FF2B5EF4-FFF2-40B4-BE49-F238E27FC236}">
-                <a16:creationId xmlns:a16="http://schemas.microsoft.com/office/drawing/2014/main" xmlns="" id="{7C385F91-0601-4D65-A3E8-CFDC20A77501}"/>
+                <a16:creationId xmlns:a16="http://schemas.microsoft.com/office/drawing/2014/main" id="{7C385F91-0601-4D65-A3E8-CFDC20A77501}"/>
               </a:ext>
             </a:extLst>
           </p:cNvPr>
@@ -1237,7 +1237,7 @@
           <p:cNvPr id="6" name="Slide Number Placeholder 5">
             <a:extLst>
               <a:ext uri="{FF2B5EF4-FFF2-40B4-BE49-F238E27FC236}">
-                <a16:creationId xmlns:a16="http://schemas.microsoft.com/office/drawing/2014/main" xmlns="" id="{88D0A9F0-9DDE-4015-8C5C-5C9D6B60DDA0}"/>
+                <a16:creationId xmlns:a16="http://schemas.microsoft.com/office/drawing/2014/main" id="{88D0A9F0-9DDE-4015-8C5C-5C9D6B60DDA0}"/>
               </a:ext>
             </a:extLst>
           </p:cNvPr>
@@ -1297,7 +1297,7 @@
           <p:cNvPr id="2" name="Title 1">
             <a:extLst>
               <a:ext uri="{FF2B5EF4-FFF2-40B4-BE49-F238E27FC236}">
-                <a16:creationId xmlns:a16="http://schemas.microsoft.com/office/drawing/2014/main" xmlns="" id="{708E85AF-03C6-4B44-A538-43B0427D31F4}"/>
+                <a16:creationId xmlns:a16="http://schemas.microsoft.com/office/drawing/2014/main" id="{708E85AF-03C6-4B44-A538-43B0427D31F4}"/>
               </a:ext>
             </a:extLst>
           </p:cNvPr>
@@ -1326,7 +1326,7 @@
           <p:cNvPr id="3" name="Content Placeholder 2">
             <a:extLst>
               <a:ext uri="{FF2B5EF4-FFF2-40B4-BE49-F238E27FC236}">
-                <a16:creationId xmlns:a16="http://schemas.microsoft.com/office/drawing/2014/main" xmlns="" id="{83C33EE5-59F6-4A1A-AE1E-8765B2B76361}"/>
+                <a16:creationId xmlns:a16="http://schemas.microsoft.com/office/drawing/2014/main" id="{83C33EE5-59F6-4A1A-AE1E-8765B2B76361}"/>
               </a:ext>
             </a:extLst>
           </p:cNvPr>
@@ -1389,7 +1389,7 @@
           <p:cNvPr id="4" name="Content Placeholder 3">
             <a:extLst>
               <a:ext uri="{FF2B5EF4-FFF2-40B4-BE49-F238E27FC236}">
-                <a16:creationId xmlns:a16="http://schemas.microsoft.com/office/drawing/2014/main" xmlns="" id="{1D9D6861-A242-46E3-9BF3-A0C8A8DBB45B}"/>
+                <a16:creationId xmlns:a16="http://schemas.microsoft.com/office/drawing/2014/main" id="{1D9D6861-A242-46E3-9BF3-A0C8A8DBB45B}"/>
               </a:ext>
             </a:extLst>
           </p:cNvPr>
@@ -1452,7 +1452,7 @@
           <p:cNvPr id="5" name="Date Placeholder 4">
             <a:extLst>
               <a:ext uri="{FF2B5EF4-FFF2-40B4-BE49-F238E27FC236}">
-                <a16:creationId xmlns:a16="http://schemas.microsoft.com/office/drawing/2014/main" xmlns="" id="{6A9D4037-319B-46C2-9889-B7EE91425689}"/>
+                <a16:creationId xmlns:a16="http://schemas.microsoft.com/office/drawing/2014/main" id="{6A9D4037-319B-46C2-9889-B7EE91425689}"/>
               </a:ext>
             </a:extLst>
           </p:cNvPr>
@@ -1471,7 +1471,7 @@
             <a:fld id="{C0697723-E498-4D64-BBB6-490ED1364AC9}" type="datetimeFigureOut">
               <a:rPr lang="en-IN" smtClean="0"/>
               <a:pPr/>
-              <a:t>01-01-2023</a:t>
+              <a:t>25-01-2025</a:t>
             </a:fld>
             <a:endParaRPr lang="en-IN"/>
           </a:p>
@@ -1482,7 +1482,7 @@
           <p:cNvPr id="6" name="Footer Placeholder 5">
             <a:extLst>
               <a:ext uri="{FF2B5EF4-FFF2-40B4-BE49-F238E27FC236}">
-                <a16:creationId xmlns:a16="http://schemas.microsoft.com/office/drawing/2014/main" xmlns="" id="{C1EE4E15-6B43-42E0-9689-9D809E7745C4}"/>
+                <a16:creationId xmlns:a16="http://schemas.microsoft.com/office/drawing/2014/main" id="{C1EE4E15-6B43-42E0-9689-9D809E7745C4}"/>
               </a:ext>
             </a:extLst>
           </p:cNvPr>
@@ -1507,7 +1507,7 @@
           <p:cNvPr id="7" name="Slide Number Placeholder 6">
             <a:extLst>
               <a:ext uri="{FF2B5EF4-FFF2-40B4-BE49-F238E27FC236}">
-                <a16:creationId xmlns:a16="http://schemas.microsoft.com/office/drawing/2014/main" xmlns="" id="{9E5B8A2C-7787-42C7-9053-9FAC49800765}"/>
+                <a16:creationId xmlns:a16="http://schemas.microsoft.com/office/drawing/2014/main" id="{9E5B8A2C-7787-42C7-9053-9FAC49800765}"/>
               </a:ext>
             </a:extLst>
           </p:cNvPr>
@@ -1567,7 +1567,7 @@
           <p:cNvPr id="2" name="Title 1">
             <a:extLst>
               <a:ext uri="{FF2B5EF4-FFF2-40B4-BE49-F238E27FC236}">
-                <a16:creationId xmlns:a16="http://schemas.microsoft.com/office/drawing/2014/main" xmlns="" id="{13FD7F82-17CF-402C-A83C-9BB0B0450C87}"/>
+                <a16:creationId xmlns:a16="http://schemas.microsoft.com/office/drawing/2014/main" id="{13FD7F82-17CF-402C-A83C-9BB0B0450C87}"/>
               </a:ext>
             </a:extLst>
           </p:cNvPr>
@@ -1601,7 +1601,7 @@
           <p:cNvPr id="3" name="Text Placeholder 2">
             <a:extLst>
               <a:ext uri="{FF2B5EF4-FFF2-40B4-BE49-F238E27FC236}">
-                <a16:creationId xmlns:a16="http://schemas.microsoft.com/office/drawing/2014/main" xmlns="" id="{AD6925B8-18E2-4648-9C7D-9A50568E686B}"/>
+                <a16:creationId xmlns:a16="http://schemas.microsoft.com/office/drawing/2014/main" id="{AD6925B8-18E2-4648-9C7D-9A50568E686B}"/>
               </a:ext>
             </a:extLst>
           </p:cNvPr>
@@ -1672,7 +1672,7 @@
           <p:cNvPr id="4" name="Content Placeholder 3">
             <a:extLst>
               <a:ext uri="{FF2B5EF4-FFF2-40B4-BE49-F238E27FC236}">
-                <a16:creationId xmlns:a16="http://schemas.microsoft.com/office/drawing/2014/main" xmlns="" id="{63ECAC91-5516-49CF-ABB2-BDCA1101D993}"/>
+                <a16:creationId xmlns:a16="http://schemas.microsoft.com/office/drawing/2014/main" id="{63ECAC91-5516-49CF-ABB2-BDCA1101D993}"/>
               </a:ext>
             </a:extLst>
           </p:cNvPr>
@@ -1735,7 +1735,7 @@
           <p:cNvPr id="5" name="Text Placeholder 4">
             <a:extLst>
               <a:ext uri="{FF2B5EF4-FFF2-40B4-BE49-F238E27FC236}">
-                <a16:creationId xmlns:a16="http://schemas.microsoft.com/office/drawing/2014/main" xmlns="" id="{A13B518C-5424-4D17-AE61-73B5540B3F5C}"/>
+                <a16:creationId xmlns:a16="http://schemas.microsoft.com/office/drawing/2014/main" id="{A13B518C-5424-4D17-AE61-73B5540B3F5C}"/>
               </a:ext>
             </a:extLst>
           </p:cNvPr>
@@ -1806,7 +1806,7 @@
           <p:cNvPr id="6" name="Content Placeholder 5">
             <a:extLst>
               <a:ext uri="{FF2B5EF4-FFF2-40B4-BE49-F238E27FC236}">
-                <a16:creationId xmlns:a16="http://schemas.microsoft.com/office/drawing/2014/main" xmlns="" id="{7418E488-5143-4637-878A-8024B768B637}"/>
+                <a16:creationId xmlns:a16="http://schemas.microsoft.com/office/drawing/2014/main" id="{7418E488-5143-4637-878A-8024B768B637}"/>
               </a:ext>
             </a:extLst>
           </p:cNvPr>
@@ -1869,7 +1869,7 @@
           <p:cNvPr id="7" name="Date Placeholder 6">
             <a:extLst>
               <a:ext uri="{FF2B5EF4-FFF2-40B4-BE49-F238E27FC236}">
-                <a16:creationId xmlns:a16="http://schemas.microsoft.com/office/drawing/2014/main" xmlns="" id="{12F92FE0-EADD-43E3-B191-7F6FEA9C81E6}"/>
+                <a16:creationId xmlns:a16="http://schemas.microsoft.com/office/drawing/2014/main" id="{12F92FE0-EADD-43E3-B191-7F6FEA9C81E6}"/>
               </a:ext>
             </a:extLst>
           </p:cNvPr>
@@ -1888,7 +1888,7 @@
             <a:fld id="{C0697723-E498-4D64-BBB6-490ED1364AC9}" type="datetimeFigureOut">
               <a:rPr lang="en-IN" smtClean="0"/>
               <a:pPr/>
-              <a:t>01-01-2023</a:t>
+              <a:t>25-01-2025</a:t>
             </a:fld>
             <a:endParaRPr lang="en-IN"/>
           </a:p>
@@ -1899,7 +1899,7 @@
           <p:cNvPr id="8" name="Footer Placeholder 7">
             <a:extLst>
               <a:ext uri="{FF2B5EF4-FFF2-40B4-BE49-F238E27FC236}">
-                <a16:creationId xmlns:a16="http://schemas.microsoft.com/office/drawing/2014/main" xmlns="" id="{FD4604E9-CD41-4846-B48F-03B22B3709D6}"/>
+                <a16:creationId xmlns:a16="http://schemas.microsoft.com/office/drawing/2014/main" id="{FD4604E9-CD41-4846-B48F-03B22B3709D6}"/>
               </a:ext>
             </a:extLst>
           </p:cNvPr>
@@ -1924,7 +1924,7 @@
           <p:cNvPr id="9" name="Slide Number Placeholder 8">
             <a:extLst>
               <a:ext uri="{FF2B5EF4-FFF2-40B4-BE49-F238E27FC236}">
-                <a16:creationId xmlns:a16="http://schemas.microsoft.com/office/drawing/2014/main" xmlns="" id="{5AFE060F-933B-49D3-8FF3-B0DEF9DC6484}"/>
+                <a16:creationId xmlns:a16="http://schemas.microsoft.com/office/drawing/2014/main" id="{5AFE060F-933B-49D3-8FF3-B0DEF9DC6484}"/>
               </a:ext>
             </a:extLst>
           </p:cNvPr>
@@ -1984,7 +1984,7 @@
           <p:cNvPr id="2" name="Title 1">
             <a:extLst>
               <a:ext uri="{FF2B5EF4-FFF2-40B4-BE49-F238E27FC236}">
-                <a16:creationId xmlns:a16="http://schemas.microsoft.com/office/drawing/2014/main" xmlns="" id="{72D133CA-B572-4BA7-A189-A42C96F1089A}"/>
+                <a16:creationId xmlns:a16="http://schemas.microsoft.com/office/drawing/2014/main" id="{72D133CA-B572-4BA7-A189-A42C96F1089A}"/>
               </a:ext>
             </a:extLst>
           </p:cNvPr>
@@ -2013,7 +2013,7 @@
           <p:cNvPr id="3" name="Date Placeholder 2">
             <a:extLst>
               <a:ext uri="{FF2B5EF4-FFF2-40B4-BE49-F238E27FC236}">
-                <a16:creationId xmlns:a16="http://schemas.microsoft.com/office/drawing/2014/main" xmlns="" id="{28BA2B92-6276-46C5-8418-926229142AF0}"/>
+                <a16:creationId xmlns:a16="http://schemas.microsoft.com/office/drawing/2014/main" id="{28BA2B92-6276-46C5-8418-926229142AF0}"/>
               </a:ext>
             </a:extLst>
           </p:cNvPr>
@@ -2032,7 +2032,7 @@
             <a:fld id="{C0697723-E498-4D64-BBB6-490ED1364AC9}" type="datetimeFigureOut">
               <a:rPr lang="en-IN" smtClean="0"/>
               <a:pPr/>
-              <a:t>01-01-2023</a:t>
+              <a:t>25-01-2025</a:t>
             </a:fld>
             <a:endParaRPr lang="en-IN"/>
           </a:p>
@@ -2043,7 +2043,7 @@
           <p:cNvPr id="4" name="Footer Placeholder 3">
             <a:extLst>
               <a:ext uri="{FF2B5EF4-FFF2-40B4-BE49-F238E27FC236}">
-                <a16:creationId xmlns:a16="http://schemas.microsoft.com/office/drawing/2014/main" xmlns="" id="{ADC7E3F1-B21B-41C5-BFFE-A0D23D01EE20}"/>
+                <a16:creationId xmlns:a16="http://schemas.microsoft.com/office/drawing/2014/main" id="{ADC7E3F1-B21B-41C5-BFFE-A0D23D01EE20}"/>
               </a:ext>
             </a:extLst>
           </p:cNvPr>
@@ -2068,7 +2068,7 @@
           <p:cNvPr id="5" name="Slide Number Placeholder 4">
             <a:extLst>
               <a:ext uri="{FF2B5EF4-FFF2-40B4-BE49-F238E27FC236}">
-                <a16:creationId xmlns:a16="http://schemas.microsoft.com/office/drawing/2014/main" xmlns="" id="{A033B9AF-625C-4788-81E5-2B790AE33D0F}"/>
+                <a16:creationId xmlns:a16="http://schemas.microsoft.com/office/drawing/2014/main" id="{A033B9AF-625C-4788-81E5-2B790AE33D0F}"/>
               </a:ext>
             </a:extLst>
           </p:cNvPr>
@@ -2128,7 +2128,7 @@
           <p:cNvPr id="2" name="Date Placeholder 1">
             <a:extLst>
               <a:ext uri="{FF2B5EF4-FFF2-40B4-BE49-F238E27FC236}">
-                <a16:creationId xmlns:a16="http://schemas.microsoft.com/office/drawing/2014/main" xmlns="" id="{7034E3B9-7089-4D8E-9F92-ED9350E73E40}"/>
+                <a16:creationId xmlns:a16="http://schemas.microsoft.com/office/drawing/2014/main" id="{7034E3B9-7089-4D8E-9F92-ED9350E73E40}"/>
               </a:ext>
             </a:extLst>
           </p:cNvPr>
@@ -2147,7 +2147,7 @@
             <a:fld id="{C0697723-E498-4D64-BBB6-490ED1364AC9}" type="datetimeFigureOut">
               <a:rPr lang="en-IN" smtClean="0"/>
               <a:pPr/>
-              <a:t>01-01-2023</a:t>
+              <a:t>25-01-2025</a:t>
             </a:fld>
             <a:endParaRPr lang="en-IN"/>
           </a:p>
@@ -2158,7 +2158,7 @@
           <p:cNvPr id="3" name="Footer Placeholder 2">
             <a:extLst>
               <a:ext uri="{FF2B5EF4-FFF2-40B4-BE49-F238E27FC236}">
-                <a16:creationId xmlns:a16="http://schemas.microsoft.com/office/drawing/2014/main" xmlns="" id="{C85D6F49-DBB0-4783-8669-C7B8A7030AFD}"/>
+                <a16:creationId xmlns:a16="http://schemas.microsoft.com/office/drawing/2014/main" id="{C85D6F49-DBB0-4783-8669-C7B8A7030AFD}"/>
               </a:ext>
             </a:extLst>
           </p:cNvPr>
@@ -2183,7 +2183,7 @@
           <p:cNvPr id="4" name="Slide Number Placeholder 3">
             <a:extLst>
               <a:ext uri="{FF2B5EF4-FFF2-40B4-BE49-F238E27FC236}">
-                <a16:creationId xmlns:a16="http://schemas.microsoft.com/office/drawing/2014/main" xmlns="" id="{68775C0C-F413-41B7-B055-646B0BFD3A09}"/>
+                <a16:creationId xmlns:a16="http://schemas.microsoft.com/office/drawing/2014/main" id="{68775C0C-F413-41B7-B055-646B0BFD3A09}"/>
               </a:ext>
             </a:extLst>
           </p:cNvPr>
@@ -2243,7 +2243,7 @@
           <p:cNvPr id="2" name="Title 1">
             <a:extLst>
               <a:ext uri="{FF2B5EF4-FFF2-40B4-BE49-F238E27FC236}">
-                <a16:creationId xmlns:a16="http://schemas.microsoft.com/office/drawing/2014/main" xmlns="" id="{0525262E-9CC6-4471-87B5-E96BB4A83927}"/>
+                <a16:creationId xmlns:a16="http://schemas.microsoft.com/office/drawing/2014/main" id="{0525262E-9CC6-4471-87B5-E96BB4A83927}"/>
               </a:ext>
             </a:extLst>
           </p:cNvPr>
@@ -2281,7 +2281,7 @@
           <p:cNvPr id="3" name="Content Placeholder 2">
             <a:extLst>
               <a:ext uri="{FF2B5EF4-FFF2-40B4-BE49-F238E27FC236}">
-                <a16:creationId xmlns:a16="http://schemas.microsoft.com/office/drawing/2014/main" xmlns="" id="{CC85306A-CD4B-46EE-9161-2B0A130F2AF4}"/>
+                <a16:creationId xmlns:a16="http://schemas.microsoft.com/office/drawing/2014/main" id="{CC85306A-CD4B-46EE-9161-2B0A130F2AF4}"/>
               </a:ext>
             </a:extLst>
           </p:cNvPr>
@@ -2372,7 +2372,7 @@
           <p:cNvPr id="4" name="Text Placeholder 3">
             <a:extLst>
               <a:ext uri="{FF2B5EF4-FFF2-40B4-BE49-F238E27FC236}">
-                <a16:creationId xmlns:a16="http://schemas.microsoft.com/office/drawing/2014/main" xmlns="" id="{17A59BE6-9514-4D99-A003-32E53BEDF6F1}"/>
+                <a16:creationId xmlns:a16="http://schemas.microsoft.com/office/drawing/2014/main" id="{17A59BE6-9514-4D99-A003-32E53BEDF6F1}"/>
               </a:ext>
             </a:extLst>
           </p:cNvPr>
@@ -2443,7 +2443,7 @@
           <p:cNvPr id="5" name="Date Placeholder 4">
             <a:extLst>
               <a:ext uri="{FF2B5EF4-FFF2-40B4-BE49-F238E27FC236}">
-                <a16:creationId xmlns:a16="http://schemas.microsoft.com/office/drawing/2014/main" xmlns="" id="{051144FC-DE55-4C66-B467-EE320664508C}"/>
+                <a16:creationId xmlns:a16="http://schemas.microsoft.com/office/drawing/2014/main" id="{051144FC-DE55-4C66-B467-EE320664508C}"/>
               </a:ext>
             </a:extLst>
           </p:cNvPr>
@@ -2462,7 +2462,7 @@
             <a:fld id="{C0697723-E498-4D64-BBB6-490ED1364AC9}" type="datetimeFigureOut">
               <a:rPr lang="en-IN" smtClean="0"/>
               <a:pPr/>
-              <a:t>01-01-2023</a:t>
+              <a:t>25-01-2025</a:t>
             </a:fld>
             <a:endParaRPr lang="en-IN"/>
           </a:p>
@@ -2473,7 +2473,7 @@
           <p:cNvPr id="6" name="Footer Placeholder 5">
             <a:extLst>
               <a:ext uri="{FF2B5EF4-FFF2-40B4-BE49-F238E27FC236}">
-                <a16:creationId xmlns:a16="http://schemas.microsoft.com/office/drawing/2014/main" xmlns="" id="{7ABC472B-5E7F-485E-A706-89B79D412CBF}"/>
+                <a16:creationId xmlns:a16="http://schemas.microsoft.com/office/drawing/2014/main" id="{7ABC472B-5E7F-485E-A706-89B79D412CBF}"/>
               </a:ext>
             </a:extLst>
           </p:cNvPr>
@@ -2498,7 +2498,7 @@
           <p:cNvPr id="7" name="Slide Number Placeholder 6">
             <a:extLst>
               <a:ext uri="{FF2B5EF4-FFF2-40B4-BE49-F238E27FC236}">
-                <a16:creationId xmlns:a16="http://schemas.microsoft.com/office/drawing/2014/main" xmlns="" id="{7556C44B-3BC6-40D9-94ED-B0796F8E1329}"/>
+                <a16:creationId xmlns:a16="http://schemas.microsoft.com/office/drawing/2014/main" id="{7556C44B-3BC6-40D9-94ED-B0796F8E1329}"/>
               </a:ext>
             </a:extLst>
           </p:cNvPr>
@@ -2558,7 +2558,7 @@
           <p:cNvPr id="2" name="Title 1">
             <a:extLst>
               <a:ext uri="{FF2B5EF4-FFF2-40B4-BE49-F238E27FC236}">
-                <a16:creationId xmlns:a16="http://schemas.microsoft.com/office/drawing/2014/main" xmlns="" id="{CA759C2A-444C-4E85-BF34-29BD3E3F6DFF}"/>
+                <a16:creationId xmlns:a16="http://schemas.microsoft.com/office/drawing/2014/main" id="{CA759C2A-444C-4E85-BF34-29BD3E3F6DFF}"/>
               </a:ext>
             </a:extLst>
           </p:cNvPr>
@@ -2596,7 +2596,7 @@
           <p:cNvPr id="3" name="Picture Placeholder 2">
             <a:extLst>
               <a:ext uri="{FF2B5EF4-FFF2-40B4-BE49-F238E27FC236}">
-                <a16:creationId xmlns:a16="http://schemas.microsoft.com/office/drawing/2014/main" xmlns="" id="{4B688350-F59A-41DF-B2EF-F9EEA2470087}"/>
+                <a16:creationId xmlns:a16="http://schemas.microsoft.com/office/drawing/2014/main" id="{4B688350-F59A-41DF-B2EF-F9EEA2470087}"/>
               </a:ext>
             </a:extLst>
           </p:cNvPr>
@@ -2663,7 +2663,7 @@
           <p:cNvPr id="4" name="Text Placeholder 3">
             <a:extLst>
               <a:ext uri="{FF2B5EF4-FFF2-40B4-BE49-F238E27FC236}">
-                <a16:creationId xmlns:a16="http://schemas.microsoft.com/office/drawing/2014/main" xmlns="" id="{AC5D8DC2-A933-46C8-BE16-322CE1A3EC74}"/>
+                <a16:creationId xmlns:a16="http://schemas.microsoft.com/office/drawing/2014/main" id="{AC5D8DC2-A933-46C8-BE16-322CE1A3EC74}"/>
               </a:ext>
             </a:extLst>
           </p:cNvPr>
@@ -2734,7 +2734,7 @@
           <p:cNvPr id="5" name="Date Placeholder 4">
             <a:extLst>
               <a:ext uri="{FF2B5EF4-FFF2-40B4-BE49-F238E27FC236}">
-                <a16:creationId xmlns:a16="http://schemas.microsoft.com/office/drawing/2014/main" xmlns="" id="{2D17E0BD-405F-407D-AAE8-84A2C67291BD}"/>
+                <a16:creationId xmlns:a16="http://schemas.microsoft.com/office/drawing/2014/main" id="{2D17E0BD-405F-407D-AAE8-84A2C67291BD}"/>
               </a:ext>
             </a:extLst>
           </p:cNvPr>
@@ -2753,7 +2753,7 @@
             <a:fld id="{C0697723-E498-4D64-BBB6-490ED1364AC9}" type="datetimeFigureOut">
               <a:rPr lang="en-IN" smtClean="0"/>
               <a:pPr/>
-              <a:t>01-01-2023</a:t>
+              <a:t>25-01-2025</a:t>
             </a:fld>
             <a:endParaRPr lang="en-IN"/>
           </a:p>
@@ -2764,7 +2764,7 @@
           <p:cNvPr id="6" name="Footer Placeholder 5">
             <a:extLst>
               <a:ext uri="{FF2B5EF4-FFF2-40B4-BE49-F238E27FC236}">
-                <a16:creationId xmlns:a16="http://schemas.microsoft.com/office/drawing/2014/main" xmlns="" id="{F5294B3E-2DAE-4C72-9B6F-EE43965DA9DB}"/>
+                <a16:creationId xmlns:a16="http://schemas.microsoft.com/office/drawing/2014/main" id="{F5294B3E-2DAE-4C72-9B6F-EE43965DA9DB}"/>
               </a:ext>
             </a:extLst>
           </p:cNvPr>
@@ -2789,7 +2789,7 @@
           <p:cNvPr id="7" name="Slide Number Placeholder 6">
             <a:extLst>
               <a:ext uri="{FF2B5EF4-FFF2-40B4-BE49-F238E27FC236}">
-                <a16:creationId xmlns:a16="http://schemas.microsoft.com/office/drawing/2014/main" xmlns="" id="{5474055D-9410-4E28-8C54-90B4F6E7DBFF}"/>
+                <a16:creationId xmlns:a16="http://schemas.microsoft.com/office/drawing/2014/main" id="{5474055D-9410-4E28-8C54-90B4F6E7DBFF}"/>
               </a:ext>
             </a:extLst>
           </p:cNvPr>
@@ -2854,7 +2854,7 @@
           <p:cNvPr id="2" name="Title Placeholder 1">
             <a:extLst>
               <a:ext uri="{FF2B5EF4-FFF2-40B4-BE49-F238E27FC236}">
-                <a16:creationId xmlns:a16="http://schemas.microsoft.com/office/drawing/2014/main" xmlns="" id="{9449A4AD-9C61-4A2F-99E0-675E3359267C}"/>
+                <a16:creationId xmlns:a16="http://schemas.microsoft.com/office/drawing/2014/main" id="{9449A4AD-9C61-4A2F-99E0-675E3359267C}"/>
               </a:ext>
             </a:extLst>
           </p:cNvPr>
@@ -2893,7 +2893,7 @@
           <p:cNvPr id="3" name="Text Placeholder 2">
             <a:extLst>
               <a:ext uri="{FF2B5EF4-FFF2-40B4-BE49-F238E27FC236}">
-                <a16:creationId xmlns:a16="http://schemas.microsoft.com/office/drawing/2014/main" xmlns="" id="{A10F732A-189B-4AC1-886A-23584A50B846}"/>
+                <a16:creationId xmlns:a16="http://schemas.microsoft.com/office/drawing/2014/main" id="{A10F732A-189B-4AC1-886A-23584A50B846}"/>
               </a:ext>
             </a:extLst>
           </p:cNvPr>
@@ -2961,7 +2961,7 @@
           <p:cNvPr id="4" name="Date Placeholder 3">
             <a:extLst>
               <a:ext uri="{FF2B5EF4-FFF2-40B4-BE49-F238E27FC236}">
-                <a16:creationId xmlns:a16="http://schemas.microsoft.com/office/drawing/2014/main" xmlns="" id="{D5F3EE23-AF03-4903-9219-60875A711FC4}"/>
+                <a16:creationId xmlns:a16="http://schemas.microsoft.com/office/drawing/2014/main" id="{D5F3EE23-AF03-4903-9219-60875A711FC4}"/>
               </a:ext>
             </a:extLst>
           </p:cNvPr>
@@ -2998,7 +2998,7 @@
             <a:fld id="{C0697723-E498-4D64-BBB6-490ED1364AC9}" type="datetimeFigureOut">
               <a:rPr lang="en-IN" smtClean="0"/>
               <a:pPr/>
-              <a:t>01-01-2023</a:t>
+              <a:t>25-01-2025</a:t>
             </a:fld>
             <a:endParaRPr lang="en-IN"/>
           </a:p>
@@ -3009,7 +3009,7 @@
           <p:cNvPr id="5" name="Footer Placeholder 4">
             <a:extLst>
               <a:ext uri="{FF2B5EF4-FFF2-40B4-BE49-F238E27FC236}">
-                <a16:creationId xmlns:a16="http://schemas.microsoft.com/office/drawing/2014/main" xmlns="" id="{957FC4B0-FF26-4AB9-BACD-041A24DCD298}"/>
+                <a16:creationId xmlns:a16="http://schemas.microsoft.com/office/drawing/2014/main" id="{957FC4B0-FF26-4AB9-BACD-041A24DCD298}"/>
               </a:ext>
             </a:extLst>
           </p:cNvPr>
@@ -3052,7 +3052,7 @@
           <p:cNvPr id="6" name="Slide Number Placeholder 5">
             <a:extLst>
               <a:ext uri="{FF2B5EF4-FFF2-40B4-BE49-F238E27FC236}">
-                <a16:creationId xmlns:a16="http://schemas.microsoft.com/office/drawing/2014/main" xmlns="" id="{F4C8E684-F46A-48CC-BAD8-663F8E1173CA}"/>
+                <a16:creationId xmlns:a16="http://schemas.microsoft.com/office/drawing/2014/main" id="{F4C8E684-F46A-48CC-BAD8-663F8E1173CA}"/>
               </a:ext>
             </a:extLst>
           </p:cNvPr>
@@ -3421,7 +3421,7 @@
           <p:cNvPr id="14" name="Straight Connector 13">
             <a:extLst>
               <a:ext uri="{FF2B5EF4-FFF2-40B4-BE49-F238E27FC236}">
-                <a16:creationId xmlns:a16="http://schemas.microsoft.com/office/drawing/2014/main" xmlns="" id="{44FD96A8-0571-4828-AA94-7DB93A4857C5}"/>
+                <a16:creationId xmlns:a16="http://schemas.microsoft.com/office/drawing/2014/main" id="{44FD96A8-0571-4828-AA94-7DB93A4857C5}"/>
               </a:ext>
             </a:extLst>
           </p:cNvPr>
@@ -3464,7 +3464,7 @@
           <p:cNvPr id="16" name="Rectangle 15">
             <a:extLst>
               <a:ext uri="{FF2B5EF4-FFF2-40B4-BE49-F238E27FC236}">
-                <a16:creationId xmlns:a16="http://schemas.microsoft.com/office/drawing/2014/main" xmlns="" id="{32465F97-45E8-4475-81F0-E171C116B224}"/>
+                <a16:creationId xmlns:a16="http://schemas.microsoft.com/office/drawing/2014/main" id="{32465F97-45E8-4475-81F0-E171C116B224}"/>
               </a:ext>
             </a:extLst>
           </p:cNvPr>
@@ -3487,11 +3487,11 @@
           <a:lstStyle/>
           <a:p>
             <a:r>
-              <a:rPr lang="en-US" sz="2400" b="1" dirty="0" err="1" smtClean="0"/>
+              <a:rPr lang="en-US" sz="2400" b="1" dirty="0" err="1"/>
               <a:t>Asha</a:t>
             </a:r>
             <a:r>
-              <a:rPr lang="en-US" sz="2400" b="1" dirty="0" smtClean="0"/>
+              <a:rPr lang="en-US" sz="2400" b="1" dirty="0"/>
               <a:t> A</a:t>
             </a:r>
             <a:endParaRPr lang="en-IN" sz="2400" b="1" dirty="0"/>
@@ -3503,7 +3503,7 @@
           <p:cNvPr id="17" name="Rectangle 16">
             <a:extLst>
               <a:ext uri="{FF2B5EF4-FFF2-40B4-BE49-F238E27FC236}">
-                <a16:creationId xmlns:a16="http://schemas.microsoft.com/office/drawing/2014/main" xmlns="" id="{62AC1A6C-10C2-4695-9224-09DA1B0D5932}"/>
+                <a16:creationId xmlns:a16="http://schemas.microsoft.com/office/drawing/2014/main" id="{62AC1A6C-10C2-4695-9224-09DA1B0D5932}"/>
               </a:ext>
             </a:extLst>
           </p:cNvPr>
@@ -3538,7 +3538,7 @@
           <p:cNvPr id="23" name="Group 22">
             <a:extLst>
               <a:ext uri="{FF2B5EF4-FFF2-40B4-BE49-F238E27FC236}">
-                <a16:creationId xmlns:a16="http://schemas.microsoft.com/office/drawing/2014/main" xmlns="" id="{6DD8DCC0-549E-48DB-8CCA-E3FF8FBDEBF0}"/>
+                <a16:creationId xmlns:a16="http://schemas.microsoft.com/office/drawing/2014/main" id="{6DD8DCC0-549E-48DB-8CCA-E3FF8FBDEBF0}"/>
               </a:ext>
             </a:extLst>
           </p:cNvPr>
@@ -3564,7 +3564,7 @@
             <p:cNvPr id="24" name="Rectangle 23">
               <a:extLst>
                 <a:ext uri="{FF2B5EF4-FFF2-40B4-BE49-F238E27FC236}">
-                  <a16:creationId xmlns:a16="http://schemas.microsoft.com/office/drawing/2014/main" xmlns="" id="{B895392A-2454-40A6-9F7C-BC20D3A463EB}"/>
+                  <a16:creationId xmlns:a16="http://schemas.microsoft.com/office/drawing/2014/main" id="{B895392A-2454-40A6-9F7C-BC20D3A463EB}"/>
                 </a:ext>
               </a:extLst>
             </p:cNvPr>
@@ -3614,7 +3614,7 @@
             <p:cNvPr id="25" name="Rectangle 24">
               <a:extLst>
                 <a:ext uri="{FF2B5EF4-FFF2-40B4-BE49-F238E27FC236}">
-                  <a16:creationId xmlns:a16="http://schemas.microsoft.com/office/drawing/2014/main" xmlns="" id="{DC7604FF-DE88-44B6-A0D9-723028500B8B}"/>
+                  <a16:creationId xmlns:a16="http://schemas.microsoft.com/office/drawing/2014/main" id="{DC7604FF-DE88-44B6-A0D9-723028500B8B}"/>
                 </a:ext>
               </a:extLst>
             </p:cNvPr>
@@ -3664,7 +3664,7 @@
             <p:cNvPr id="26" name="Rectangle 25">
               <a:extLst>
                 <a:ext uri="{FF2B5EF4-FFF2-40B4-BE49-F238E27FC236}">
-                  <a16:creationId xmlns:a16="http://schemas.microsoft.com/office/drawing/2014/main" xmlns="" id="{35F4DC18-13F2-43D2-9B15-157998AF1875}"/>
+                  <a16:creationId xmlns:a16="http://schemas.microsoft.com/office/drawing/2014/main" id="{35F4DC18-13F2-43D2-9B15-157998AF1875}"/>
                 </a:ext>
               </a:extLst>
             </p:cNvPr>
@@ -3714,7 +3714,7 @@
             <p:cNvPr id="27" name="Rectangle 26">
               <a:extLst>
                 <a:ext uri="{FF2B5EF4-FFF2-40B4-BE49-F238E27FC236}">
-                  <a16:creationId xmlns:a16="http://schemas.microsoft.com/office/drawing/2014/main" xmlns="" id="{34375A76-1BF8-4628-B0FE-78E1BEB569B2}"/>
+                  <a16:creationId xmlns:a16="http://schemas.microsoft.com/office/drawing/2014/main" id="{34375A76-1BF8-4628-B0FE-78E1BEB569B2}"/>
                 </a:ext>
               </a:extLst>
             </p:cNvPr>
@@ -3765,7 +3765,7 @@
           <p:cNvPr id="13" name="Picture 12" descr="A close up of a logo&#10;&#10;Description automatically generated">
             <a:extLst>
               <a:ext uri="{FF2B5EF4-FFF2-40B4-BE49-F238E27FC236}">
-                <a16:creationId xmlns:a16="http://schemas.microsoft.com/office/drawing/2014/main" xmlns="" id="{DBF62E6F-20D6-4DF2-A881-ECD3EEB1A24C}"/>
+                <a16:creationId xmlns:a16="http://schemas.microsoft.com/office/drawing/2014/main" id="{DBF62E6F-20D6-4DF2-A881-ECD3EEB1A24C}"/>
               </a:ext>
             </a:extLst>
           </p:cNvPr>
@@ -3801,7 +3801,7 @@
           <p:cNvPr id="15" name="Rectangle 14">
             <a:extLst>
               <a:ext uri="{FF2B5EF4-FFF2-40B4-BE49-F238E27FC236}">
-                <a16:creationId xmlns:a16="http://schemas.microsoft.com/office/drawing/2014/main" xmlns="" id="{43211A6E-71CA-46AC-B929-E502AF599D76}"/>
+                <a16:creationId xmlns:a16="http://schemas.microsoft.com/office/drawing/2014/main" id="{43211A6E-71CA-46AC-B929-E502AF599D76}"/>
               </a:ext>
             </a:extLst>
           </p:cNvPr>
@@ -3849,13 +3849,6 @@
   <p:clrMapOvr>
     <a:masterClrMapping/>
   </p:clrMapOvr>
-  <p:timing>
-    <p:tnLst>
-      <p:par>
-        <p:cTn id="1" dur="indefinite" restart="never" nodeType="tmRoot"/>
-      </p:par>
-    </p:tnLst>
-  </p:timing>
 </p:sld>
 </file>
 
@@ -3881,7 +3874,7 @@
           <p:cNvPr id="8" name="Straight Connector 7">
             <a:extLst>
               <a:ext uri="{FF2B5EF4-FFF2-40B4-BE49-F238E27FC236}">
-                <a16:creationId xmlns:a16="http://schemas.microsoft.com/office/drawing/2014/main" xmlns="" id="{A4293697-6E2C-4331-B4E1-C58B355192F4}"/>
+                <a16:creationId xmlns:a16="http://schemas.microsoft.com/office/drawing/2014/main" id="{A4293697-6E2C-4331-B4E1-C58B355192F4}"/>
               </a:ext>
             </a:extLst>
           </p:cNvPr>
@@ -3924,7 +3917,7 @@
           <p:cNvPr id="6" name="Picture 5" descr="A close up of a logo&#10;&#10;Description automatically generated">
             <a:extLst>
               <a:ext uri="{FF2B5EF4-FFF2-40B4-BE49-F238E27FC236}">
-                <a16:creationId xmlns:a16="http://schemas.microsoft.com/office/drawing/2014/main" xmlns="" id="{08D8E659-ABBD-4E58-8353-D33866EBB3E6}"/>
+                <a16:creationId xmlns:a16="http://schemas.microsoft.com/office/drawing/2014/main" id="{08D8E659-ABBD-4E58-8353-D33866EBB3E6}"/>
               </a:ext>
             </a:extLst>
           </p:cNvPr>
@@ -3960,7 +3953,7 @@
           <p:cNvPr id="7" name="Rectangle 6">
             <a:extLst>
               <a:ext uri="{FF2B5EF4-FFF2-40B4-BE49-F238E27FC236}">
-                <a16:creationId xmlns:a16="http://schemas.microsoft.com/office/drawing/2014/main" xmlns="" id="{D14CB69A-0424-4C01-A311-B65E140C5B4A}"/>
+                <a16:creationId xmlns:a16="http://schemas.microsoft.com/office/drawing/2014/main" id="{D14CB69A-0424-4C01-A311-B65E140C5B4A}"/>
               </a:ext>
             </a:extLst>
           </p:cNvPr>
@@ -4006,7 +3999,7 @@
           <p:cNvPr id="11" name="Content Placeholder 2">
             <a:extLst>
               <a:ext uri="{FF2B5EF4-FFF2-40B4-BE49-F238E27FC236}">
-                <a16:creationId xmlns:a16="http://schemas.microsoft.com/office/drawing/2014/main" xmlns="" id="{C20FFE20-8DFD-4934-B1C9-19C4668A36B0}"/>
+                <a16:creationId xmlns:a16="http://schemas.microsoft.com/office/drawing/2014/main" id="{C20FFE20-8DFD-4934-B1C9-19C4668A36B0}"/>
               </a:ext>
             </a:extLst>
           </p:cNvPr>
@@ -4543,7 +4536,7 @@
           <p:cNvPr id="8" name="Straight Connector 7">
             <a:extLst>
               <a:ext uri="{FF2B5EF4-FFF2-40B4-BE49-F238E27FC236}">
-                <a16:creationId xmlns:a16="http://schemas.microsoft.com/office/drawing/2014/main" xmlns="" id="{A4293697-6E2C-4331-B4E1-C58B355192F4}"/>
+                <a16:creationId xmlns:a16="http://schemas.microsoft.com/office/drawing/2014/main" id="{A4293697-6E2C-4331-B4E1-C58B355192F4}"/>
               </a:ext>
             </a:extLst>
           </p:cNvPr>
@@ -4586,7 +4579,7 @@
           <p:cNvPr id="6" name="Picture 5" descr="A close up of a logo&#10;&#10;Description automatically generated">
             <a:extLst>
               <a:ext uri="{FF2B5EF4-FFF2-40B4-BE49-F238E27FC236}">
-                <a16:creationId xmlns:a16="http://schemas.microsoft.com/office/drawing/2014/main" xmlns="" id="{08D8E659-ABBD-4E58-8353-D33866EBB3E6}"/>
+                <a16:creationId xmlns:a16="http://schemas.microsoft.com/office/drawing/2014/main" id="{08D8E659-ABBD-4E58-8353-D33866EBB3E6}"/>
               </a:ext>
             </a:extLst>
           </p:cNvPr>
@@ -4622,7 +4615,7 @@
           <p:cNvPr id="7" name="Rectangle 6">
             <a:extLst>
               <a:ext uri="{FF2B5EF4-FFF2-40B4-BE49-F238E27FC236}">
-                <a16:creationId xmlns:a16="http://schemas.microsoft.com/office/drawing/2014/main" xmlns="" id="{D14CB69A-0424-4C01-A311-B65E140C5B4A}"/>
+                <a16:creationId xmlns:a16="http://schemas.microsoft.com/office/drawing/2014/main" id="{D14CB69A-0424-4C01-A311-B65E140C5B4A}"/>
               </a:ext>
             </a:extLst>
           </p:cNvPr>
@@ -4668,7 +4661,7 @@
           <p:cNvPr id="11" name="Content Placeholder 2">
             <a:extLst>
               <a:ext uri="{FF2B5EF4-FFF2-40B4-BE49-F238E27FC236}">
-                <a16:creationId xmlns:a16="http://schemas.microsoft.com/office/drawing/2014/main" xmlns="" id="{C20FFE20-8DFD-4934-B1C9-19C4668A36B0}"/>
+                <a16:creationId xmlns:a16="http://schemas.microsoft.com/office/drawing/2014/main" id="{C20FFE20-8DFD-4934-B1C9-19C4668A36B0}"/>
               </a:ext>
             </a:extLst>
           </p:cNvPr>
@@ -5330,7 +5323,7 @@
           <p:cNvPr id="8" name="Straight Connector 7">
             <a:extLst>
               <a:ext uri="{FF2B5EF4-FFF2-40B4-BE49-F238E27FC236}">
-                <a16:creationId xmlns:a16="http://schemas.microsoft.com/office/drawing/2014/main" xmlns="" id="{A4293697-6E2C-4331-B4E1-C58B355192F4}"/>
+                <a16:creationId xmlns:a16="http://schemas.microsoft.com/office/drawing/2014/main" id="{A4293697-6E2C-4331-B4E1-C58B355192F4}"/>
               </a:ext>
             </a:extLst>
           </p:cNvPr>
@@ -5373,7 +5366,7 @@
           <p:cNvPr id="6" name="Picture 5" descr="A close up of a logo&#10;&#10;Description automatically generated">
             <a:extLst>
               <a:ext uri="{FF2B5EF4-FFF2-40B4-BE49-F238E27FC236}">
-                <a16:creationId xmlns:a16="http://schemas.microsoft.com/office/drawing/2014/main" xmlns="" id="{08D8E659-ABBD-4E58-8353-D33866EBB3E6}"/>
+                <a16:creationId xmlns:a16="http://schemas.microsoft.com/office/drawing/2014/main" id="{08D8E659-ABBD-4E58-8353-D33866EBB3E6}"/>
               </a:ext>
             </a:extLst>
           </p:cNvPr>
@@ -5409,7 +5402,7 @@
           <p:cNvPr id="7" name="Rectangle 6">
             <a:extLst>
               <a:ext uri="{FF2B5EF4-FFF2-40B4-BE49-F238E27FC236}">
-                <a16:creationId xmlns:a16="http://schemas.microsoft.com/office/drawing/2014/main" xmlns="" id="{D14CB69A-0424-4C01-A311-B65E140C5B4A}"/>
+                <a16:creationId xmlns:a16="http://schemas.microsoft.com/office/drawing/2014/main" id="{D14CB69A-0424-4C01-A311-B65E140C5B4A}"/>
               </a:ext>
             </a:extLst>
           </p:cNvPr>
@@ -5455,7 +5448,7 @@
           <p:cNvPr id="11" name="Content Placeholder 2">
             <a:extLst>
               <a:ext uri="{FF2B5EF4-FFF2-40B4-BE49-F238E27FC236}">
-                <a16:creationId xmlns:a16="http://schemas.microsoft.com/office/drawing/2014/main" xmlns="" id="{C20FFE20-8DFD-4934-B1C9-19C4668A36B0}"/>
+                <a16:creationId xmlns:a16="http://schemas.microsoft.com/office/drawing/2014/main" id="{C20FFE20-8DFD-4934-B1C9-19C4668A36B0}"/>
               </a:ext>
             </a:extLst>
           </p:cNvPr>
@@ -6151,13 +6144,6 @@
   <p:clrMapOvr>
     <a:masterClrMapping/>
   </p:clrMapOvr>
-  <p:timing>
-    <p:tnLst>
-      <p:par>
-        <p:cTn id="1" dur="indefinite" restart="never" nodeType="tmRoot"/>
-      </p:par>
-    </p:tnLst>
-  </p:timing>
 </p:sld>
 </file>
 
@@ -6183,7 +6169,7 @@
           <p:cNvPr id="8" name="Straight Connector 7">
             <a:extLst>
               <a:ext uri="{FF2B5EF4-FFF2-40B4-BE49-F238E27FC236}">
-                <a16:creationId xmlns:a16="http://schemas.microsoft.com/office/drawing/2014/main" xmlns="" id="{A4293697-6E2C-4331-B4E1-C58B355192F4}"/>
+                <a16:creationId xmlns:a16="http://schemas.microsoft.com/office/drawing/2014/main" id="{A4293697-6E2C-4331-B4E1-C58B355192F4}"/>
               </a:ext>
             </a:extLst>
           </p:cNvPr>
@@ -6226,7 +6212,7 @@
           <p:cNvPr id="6" name="Picture 5" descr="A close up of a logo&#10;&#10;Description automatically generated">
             <a:extLst>
               <a:ext uri="{FF2B5EF4-FFF2-40B4-BE49-F238E27FC236}">
-                <a16:creationId xmlns:a16="http://schemas.microsoft.com/office/drawing/2014/main" xmlns="" id="{08D8E659-ABBD-4E58-8353-D33866EBB3E6}"/>
+                <a16:creationId xmlns:a16="http://schemas.microsoft.com/office/drawing/2014/main" id="{08D8E659-ABBD-4E58-8353-D33866EBB3E6}"/>
               </a:ext>
             </a:extLst>
           </p:cNvPr>
@@ -6262,7 +6248,7 @@
           <p:cNvPr id="7" name="Rectangle 6">
             <a:extLst>
               <a:ext uri="{FF2B5EF4-FFF2-40B4-BE49-F238E27FC236}">
-                <a16:creationId xmlns:a16="http://schemas.microsoft.com/office/drawing/2014/main" xmlns="" id="{D14CB69A-0424-4C01-A311-B65E140C5B4A}"/>
+                <a16:creationId xmlns:a16="http://schemas.microsoft.com/office/drawing/2014/main" id="{D14CB69A-0424-4C01-A311-B65E140C5B4A}"/>
               </a:ext>
             </a:extLst>
           </p:cNvPr>
@@ -6308,7 +6294,7 @@
           <p:cNvPr id="11" name="Content Placeholder 2">
             <a:extLst>
               <a:ext uri="{FF2B5EF4-FFF2-40B4-BE49-F238E27FC236}">
-                <a16:creationId xmlns:a16="http://schemas.microsoft.com/office/drawing/2014/main" xmlns="" id="{C20FFE20-8DFD-4934-B1C9-19C4668A36B0}"/>
+                <a16:creationId xmlns:a16="http://schemas.microsoft.com/office/drawing/2014/main" id="{C20FFE20-8DFD-4934-B1C9-19C4668A36B0}"/>
               </a:ext>
             </a:extLst>
           </p:cNvPr>
@@ -6900,13 +6886,6 @@
   <p:clrMapOvr>
     <a:masterClrMapping/>
   </p:clrMapOvr>
-  <p:timing>
-    <p:tnLst>
-      <p:par>
-        <p:cTn id="1" dur="indefinite" restart="never" nodeType="tmRoot"/>
-      </p:par>
-    </p:tnLst>
-  </p:timing>
 </p:sld>
 </file>
 
@@ -6932,7 +6911,7 @@
           <p:cNvPr id="8" name="Straight Connector 7">
             <a:extLst>
               <a:ext uri="{FF2B5EF4-FFF2-40B4-BE49-F238E27FC236}">
-                <a16:creationId xmlns:a16="http://schemas.microsoft.com/office/drawing/2014/main" xmlns="" id="{A4293697-6E2C-4331-B4E1-C58B355192F4}"/>
+                <a16:creationId xmlns:a16="http://schemas.microsoft.com/office/drawing/2014/main" id="{A4293697-6E2C-4331-B4E1-C58B355192F4}"/>
               </a:ext>
             </a:extLst>
           </p:cNvPr>
@@ -6975,7 +6954,7 @@
           <p:cNvPr id="6" name="Picture 5" descr="A close up of a logo&#10;&#10;Description automatically generated">
             <a:extLst>
               <a:ext uri="{FF2B5EF4-FFF2-40B4-BE49-F238E27FC236}">
-                <a16:creationId xmlns:a16="http://schemas.microsoft.com/office/drawing/2014/main" xmlns="" id="{08D8E659-ABBD-4E58-8353-D33866EBB3E6}"/>
+                <a16:creationId xmlns:a16="http://schemas.microsoft.com/office/drawing/2014/main" id="{08D8E659-ABBD-4E58-8353-D33866EBB3E6}"/>
               </a:ext>
             </a:extLst>
           </p:cNvPr>
@@ -7011,7 +6990,7 @@
           <p:cNvPr id="7" name="Rectangle 6">
             <a:extLst>
               <a:ext uri="{FF2B5EF4-FFF2-40B4-BE49-F238E27FC236}">
-                <a16:creationId xmlns:a16="http://schemas.microsoft.com/office/drawing/2014/main" xmlns="" id="{D14CB69A-0424-4C01-A311-B65E140C5B4A}"/>
+                <a16:creationId xmlns:a16="http://schemas.microsoft.com/office/drawing/2014/main" id="{D14CB69A-0424-4C01-A311-B65E140C5B4A}"/>
               </a:ext>
             </a:extLst>
           </p:cNvPr>
@@ -7556,13 +7535,6 @@
   <p:clrMapOvr>
     <a:masterClrMapping/>
   </p:clrMapOvr>
-  <p:timing>
-    <p:tnLst>
-      <p:par>
-        <p:cTn id="1" dur="indefinite" restart="never" nodeType="tmRoot"/>
-      </p:par>
-    </p:tnLst>
-  </p:timing>
 </p:sld>
 </file>
 
@@ -7588,7 +7560,7 @@
           <p:cNvPr id="8" name="Straight Connector 7">
             <a:extLst>
               <a:ext uri="{FF2B5EF4-FFF2-40B4-BE49-F238E27FC236}">
-                <a16:creationId xmlns:a16="http://schemas.microsoft.com/office/drawing/2014/main" xmlns="" id="{A4293697-6E2C-4331-B4E1-C58B355192F4}"/>
+                <a16:creationId xmlns:a16="http://schemas.microsoft.com/office/drawing/2014/main" id="{A4293697-6E2C-4331-B4E1-C58B355192F4}"/>
               </a:ext>
             </a:extLst>
           </p:cNvPr>
@@ -7631,7 +7603,7 @@
           <p:cNvPr id="6" name="Picture 5" descr="A close up of a logo&#10;&#10;Description automatically generated">
             <a:extLst>
               <a:ext uri="{FF2B5EF4-FFF2-40B4-BE49-F238E27FC236}">
-                <a16:creationId xmlns:a16="http://schemas.microsoft.com/office/drawing/2014/main" xmlns="" id="{08D8E659-ABBD-4E58-8353-D33866EBB3E6}"/>
+                <a16:creationId xmlns:a16="http://schemas.microsoft.com/office/drawing/2014/main" id="{08D8E659-ABBD-4E58-8353-D33866EBB3E6}"/>
               </a:ext>
             </a:extLst>
           </p:cNvPr>
@@ -7641,7 +7613,7 @@
           <p:nvPr/>
         </p:nvPicPr>
         <p:blipFill>
-          <a:blip r:embed="rId3" cstate="print">
+          <a:blip r:embed="rId2" cstate="print">
             <a:extLst>
               <a:ext uri="{28A0092B-C50C-407E-A947-70E740481C1C}">
                 <a14:useLocalDpi xmlns:a14="http://schemas.microsoft.com/office/drawing/2010/main" val="0"/>
@@ -7667,7 +7639,7 @@
           <p:cNvPr id="7" name="Rectangle 6">
             <a:extLst>
               <a:ext uri="{FF2B5EF4-FFF2-40B4-BE49-F238E27FC236}">
-                <a16:creationId xmlns:a16="http://schemas.microsoft.com/office/drawing/2014/main" xmlns="" id="{D14CB69A-0424-4C01-A311-B65E140C5B4A}"/>
+                <a16:creationId xmlns:a16="http://schemas.microsoft.com/office/drawing/2014/main" id="{D14CB69A-0424-4C01-A311-B65E140C5B4A}"/>
               </a:ext>
             </a:extLst>
           </p:cNvPr>
@@ -8068,12 +8040,12 @@
           <a:graphicData uri="http://schemas.openxmlformats.org/presentationml/2006/ole">
             <mc:AlternateContent xmlns:mc="http://schemas.openxmlformats.org/markup-compatibility/2006">
               <mc:Choice xmlns:v="urn:schemas-microsoft-com:vml" Requires="v">
-                <p:oleObj spid="_x0000_s23558" name="ChemSketch" r:id="rId4" imgW="3843360" imgH="1173600" progId="ACD.ChemSketch.20">
+                <p:oleObj name="ChemSketch" r:id="rId3" imgW="3843360" imgH="1173600" progId="ACD.ChemSketch.20">
                   <p:embed/>
                 </p:oleObj>
               </mc:Choice>
               <mc:Fallback>
-                <p:oleObj name="ChemSketch" r:id="rId4" imgW="3843360" imgH="1173600" progId="ACD.ChemSketch.20">
+                <p:oleObj name="ChemSketch" r:id="rId3" imgW="3843360" imgH="1173600" progId="ACD.ChemSketch.20">
                   <p:embed/>
                   <p:pic>
                     <p:nvPicPr>
@@ -8084,7 +8056,7 @@
                       <p:nvPr/>
                     </p:nvPicPr>
                     <p:blipFill>
-                      <a:blip r:embed="rId5">
+                      <a:blip r:embed="rId4">
                         <a:extLst>
                           <a:ext uri="{28A0092B-C50C-407E-A947-70E740481C1C}">
                             <a14:useLocalDpi xmlns:a14="http://schemas.microsoft.com/office/drawing/2010/main" val="0"/>
@@ -8192,7 +8164,7 @@
           <p:cNvPr id="2" name="TextBox 1">
             <a:extLst>
               <a:ext uri="{FF2B5EF4-FFF2-40B4-BE49-F238E27FC236}">
-                <a16:creationId xmlns:a16="http://schemas.microsoft.com/office/drawing/2014/main" xmlns="" id="{CEEA1D64-EBA2-46F7-83E1-4BA6063700BC}"/>
+                <a16:creationId xmlns:a16="http://schemas.microsoft.com/office/drawing/2014/main" id="{CEEA1D64-EBA2-46F7-83E1-4BA6063700BC}"/>
               </a:ext>
             </a:extLst>
           </p:cNvPr>
@@ -8442,7 +8414,7 @@
           <p:cNvPr id="4" name="Straight Connector 3">
             <a:extLst>
               <a:ext uri="{FF2B5EF4-FFF2-40B4-BE49-F238E27FC236}">
-                <a16:creationId xmlns:a16="http://schemas.microsoft.com/office/drawing/2014/main" xmlns="" id="{81C3DBA2-781D-43A5-9B29-31CCB23E2084}"/>
+                <a16:creationId xmlns:a16="http://schemas.microsoft.com/office/drawing/2014/main" id="{81C3DBA2-781D-43A5-9B29-31CCB23E2084}"/>
               </a:ext>
             </a:extLst>
           </p:cNvPr>
@@ -8513,7 +8485,7 @@
           <p:cNvPr id="8" name="Straight Connector 7">
             <a:extLst>
               <a:ext uri="{FF2B5EF4-FFF2-40B4-BE49-F238E27FC236}">
-                <a16:creationId xmlns:a16="http://schemas.microsoft.com/office/drawing/2014/main" xmlns="" id="{A4293697-6E2C-4331-B4E1-C58B355192F4}"/>
+                <a16:creationId xmlns:a16="http://schemas.microsoft.com/office/drawing/2014/main" id="{A4293697-6E2C-4331-B4E1-C58B355192F4}"/>
               </a:ext>
             </a:extLst>
           </p:cNvPr>
@@ -8556,7 +8528,7 @@
           <p:cNvPr id="6" name="Picture 5" descr="A close up of a logo&#10;&#10;Description automatically generated">
             <a:extLst>
               <a:ext uri="{FF2B5EF4-FFF2-40B4-BE49-F238E27FC236}">
-                <a16:creationId xmlns:a16="http://schemas.microsoft.com/office/drawing/2014/main" xmlns="" id="{08D8E659-ABBD-4E58-8353-D33866EBB3E6}"/>
+                <a16:creationId xmlns:a16="http://schemas.microsoft.com/office/drawing/2014/main" id="{08D8E659-ABBD-4E58-8353-D33866EBB3E6}"/>
               </a:ext>
             </a:extLst>
           </p:cNvPr>
@@ -8592,7 +8564,7 @@
           <p:cNvPr id="7" name="Rectangle 6">
             <a:extLst>
               <a:ext uri="{FF2B5EF4-FFF2-40B4-BE49-F238E27FC236}">
-                <a16:creationId xmlns:a16="http://schemas.microsoft.com/office/drawing/2014/main" xmlns="" id="{D14CB69A-0424-4C01-A311-B65E140C5B4A}"/>
+                <a16:creationId xmlns:a16="http://schemas.microsoft.com/office/drawing/2014/main" id="{D14CB69A-0424-4C01-A311-B65E140C5B4A}"/>
               </a:ext>
             </a:extLst>
           </p:cNvPr>
@@ -9142,23 +9114,7 @@
             </a:r>
             <a:r>
               <a:rPr lang="en-US" sz="2000" dirty="0"/>
-              <a:t>Good cycle life as the problem of dendrite formation is </a:t>
-            </a:r>
-            <a:r>
-              <a:rPr lang="en-US" sz="2000" dirty="0" smtClean="0"/>
-              <a:t>eliminated (</a:t>
-            </a:r>
-            <a:r>
-              <a:rPr lang="en-US" sz="2000" dirty="0"/>
-              <a:t>at </a:t>
-            </a:r>
-            <a:r>
-              <a:rPr lang="en-US" sz="2000" dirty="0" smtClean="0"/>
-              <a:t>no point</a:t>
-            </a:r>
-            <a:r>
-              <a:rPr lang="en-US" sz="2000" dirty="0"/>
-              <a:t>, neither charging nor discharging, Lithium metal is formed)</a:t>
+              <a:t>Good cycle life as the problem of dendrite formation is eliminated (at no point, neither charging nor discharging, Lithium metal is formed)</a:t>
             </a:r>
             <a:endParaRPr lang="en-IN" sz="2000" dirty="0"/>
           </a:p>
@@ -9265,7 +9221,7 @@
           <p:cNvPr id="8" name="Straight Connector 7">
             <a:extLst>
               <a:ext uri="{FF2B5EF4-FFF2-40B4-BE49-F238E27FC236}">
-                <a16:creationId xmlns:a16="http://schemas.microsoft.com/office/drawing/2014/main" xmlns="" id="{A4293697-6E2C-4331-B4E1-C58B355192F4}"/>
+                <a16:creationId xmlns:a16="http://schemas.microsoft.com/office/drawing/2014/main" id="{A4293697-6E2C-4331-B4E1-C58B355192F4}"/>
               </a:ext>
             </a:extLst>
           </p:cNvPr>
@@ -9308,7 +9264,7 @@
           <p:cNvPr id="6" name="Picture 5" descr="A close up of a logo&#10;&#10;Description automatically generated">
             <a:extLst>
               <a:ext uri="{FF2B5EF4-FFF2-40B4-BE49-F238E27FC236}">
-                <a16:creationId xmlns:a16="http://schemas.microsoft.com/office/drawing/2014/main" xmlns="" id="{08D8E659-ABBD-4E58-8353-D33866EBB3E6}"/>
+                <a16:creationId xmlns:a16="http://schemas.microsoft.com/office/drawing/2014/main" id="{08D8E659-ABBD-4E58-8353-D33866EBB3E6}"/>
               </a:ext>
             </a:extLst>
           </p:cNvPr>
@@ -9344,7 +9300,7 @@
           <p:cNvPr id="7" name="Rectangle 6">
             <a:extLst>
               <a:ext uri="{FF2B5EF4-FFF2-40B4-BE49-F238E27FC236}">
-                <a16:creationId xmlns:a16="http://schemas.microsoft.com/office/drawing/2014/main" xmlns="" id="{D14CB69A-0424-4C01-A311-B65E140C5B4A}"/>
+                <a16:creationId xmlns:a16="http://schemas.microsoft.com/office/drawing/2014/main" id="{D14CB69A-0424-4C01-A311-B65E140C5B4A}"/>
               </a:ext>
             </a:extLst>
           </p:cNvPr>
@@ -9858,7 +9814,7 @@
           <p:cNvPr id="8" name="Straight Connector 7">
             <a:extLst>
               <a:ext uri="{FF2B5EF4-FFF2-40B4-BE49-F238E27FC236}">
-                <a16:creationId xmlns:a16="http://schemas.microsoft.com/office/drawing/2014/main" xmlns="" id="{A4293697-6E2C-4331-B4E1-C58B355192F4}"/>
+                <a16:creationId xmlns:a16="http://schemas.microsoft.com/office/drawing/2014/main" id="{A4293697-6E2C-4331-B4E1-C58B355192F4}"/>
               </a:ext>
             </a:extLst>
           </p:cNvPr>
@@ -9901,7 +9857,7 @@
           <p:cNvPr id="6" name="Picture 5" descr="A close up of a logo&#10;&#10;Description automatically generated">
             <a:extLst>
               <a:ext uri="{FF2B5EF4-FFF2-40B4-BE49-F238E27FC236}">
-                <a16:creationId xmlns:a16="http://schemas.microsoft.com/office/drawing/2014/main" xmlns="" id="{08D8E659-ABBD-4E58-8353-D33866EBB3E6}"/>
+                <a16:creationId xmlns:a16="http://schemas.microsoft.com/office/drawing/2014/main" id="{08D8E659-ABBD-4E58-8353-D33866EBB3E6}"/>
               </a:ext>
             </a:extLst>
           </p:cNvPr>
@@ -9937,7 +9893,7 @@
           <p:cNvPr id="7" name="Rectangle 6">
             <a:extLst>
               <a:ext uri="{FF2B5EF4-FFF2-40B4-BE49-F238E27FC236}">
-                <a16:creationId xmlns:a16="http://schemas.microsoft.com/office/drawing/2014/main" xmlns="" id="{D14CB69A-0424-4C01-A311-B65E140C5B4A}"/>
+                <a16:creationId xmlns:a16="http://schemas.microsoft.com/office/drawing/2014/main" id="{D14CB69A-0424-4C01-A311-B65E140C5B4A}"/>
               </a:ext>
             </a:extLst>
           </p:cNvPr>
@@ -10542,7 +10498,7 @@
           <p:cNvPr id="14" name="Straight Connector 13">
             <a:extLst>
               <a:ext uri="{FF2B5EF4-FFF2-40B4-BE49-F238E27FC236}">
-                <a16:creationId xmlns:a16="http://schemas.microsoft.com/office/drawing/2014/main" xmlns="" id="{44FD96A8-0571-4828-AA94-7DB93A4857C5}"/>
+                <a16:creationId xmlns:a16="http://schemas.microsoft.com/office/drawing/2014/main" id="{44FD96A8-0571-4828-AA94-7DB93A4857C5}"/>
               </a:ext>
             </a:extLst>
           </p:cNvPr>
@@ -10585,7 +10541,7 @@
           <p:cNvPr id="16" name="Rectangle 15">
             <a:extLst>
               <a:ext uri="{FF2B5EF4-FFF2-40B4-BE49-F238E27FC236}">
-                <a16:creationId xmlns:a16="http://schemas.microsoft.com/office/drawing/2014/main" xmlns="" id="{32465F97-45E8-4475-81F0-E171C116B224}"/>
+                <a16:creationId xmlns:a16="http://schemas.microsoft.com/office/drawing/2014/main" id="{32465F97-45E8-4475-81F0-E171C116B224}"/>
               </a:ext>
             </a:extLst>
           </p:cNvPr>
@@ -10608,11 +10564,11 @@
           <a:lstStyle/>
           <a:p>
             <a:r>
-              <a:rPr lang="en-US" sz="2400" b="1" dirty="0" err="1" smtClean="0"/>
+              <a:rPr lang="en-US" sz="2400" b="1" dirty="0" err="1"/>
               <a:t>Asha</a:t>
             </a:r>
             <a:r>
-              <a:rPr lang="en-US" sz="2400" b="1" dirty="0" smtClean="0"/>
+              <a:rPr lang="en-US" sz="2400" b="1" dirty="0"/>
               <a:t> A</a:t>
             </a:r>
             <a:endParaRPr lang="en-IN" sz="2400" b="1" dirty="0"/>
@@ -10624,7 +10580,7 @@
           <p:cNvPr id="17" name="Rectangle 16">
             <a:extLst>
               <a:ext uri="{FF2B5EF4-FFF2-40B4-BE49-F238E27FC236}">
-                <a16:creationId xmlns:a16="http://schemas.microsoft.com/office/drawing/2014/main" xmlns="" id="{62AC1A6C-10C2-4695-9224-09DA1B0D5932}"/>
+                <a16:creationId xmlns:a16="http://schemas.microsoft.com/office/drawing/2014/main" id="{62AC1A6C-10C2-4695-9224-09DA1B0D5932}"/>
               </a:ext>
             </a:extLst>
           </p:cNvPr>
@@ -10659,7 +10615,7 @@
           <p:cNvPr id="23" name="Group 22">
             <a:extLst>
               <a:ext uri="{FF2B5EF4-FFF2-40B4-BE49-F238E27FC236}">
-                <a16:creationId xmlns:a16="http://schemas.microsoft.com/office/drawing/2014/main" xmlns="" id="{6DD8DCC0-549E-48DB-8CCA-E3FF8FBDEBF0}"/>
+                <a16:creationId xmlns:a16="http://schemas.microsoft.com/office/drawing/2014/main" id="{6DD8DCC0-549E-48DB-8CCA-E3FF8FBDEBF0}"/>
               </a:ext>
             </a:extLst>
           </p:cNvPr>
@@ -10685,7 +10641,7 @@
             <p:cNvPr id="24" name="Rectangle 23">
               <a:extLst>
                 <a:ext uri="{FF2B5EF4-FFF2-40B4-BE49-F238E27FC236}">
-                  <a16:creationId xmlns:a16="http://schemas.microsoft.com/office/drawing/2014/main" xmlns="" id="{B895392A-2454-40A6-9F7C-BC20D3A463EB}"/>
+                  <a16:creationId xmlns:a16="http://schemas.microsoft.com/office/drawing/2014/main" id="{B895392A-2454-40A6-9F7C-BC20D3A463EB}"/>
                 </a:ext>
               </a:extLst>
             </p:cNvPr>
@@ -10735,7 +10691,7 @@
             <p:cNvPr id="25" name="Rectangle 24">
               <a:extLst>
                 <a:ext uri="{FF2B5EF4-FFF2-40B4-BE49-F238E27FC236}">
-                  <a16:creationId xmlns:a16="http://schemas.microsoft.com/office/drawing/2014/main" xmlns="" id="{DC7604FF-DE88-44B6-A0D9-723028500B8B}"/>
+                  <a16:creationId xmlns:a16="http://schemas.microsoft.com/office/drawing/2014/main" id="{DC7604FF-DE88-44B6-A0D9-723028500B8B}"/>
                 </a:ext>
               </a:extLst>
             </p:cNvPr>
@@ -10785,7 +10741,7 @@
             <p:cNvPr id="26" name="Rectangle 25">
               <a:extLst>
                 <a:ext uri="{FF2B5EF4-FFF2-40B4-BE49-F238E27FC236}">
-                  <a16:creationId xmlns:a16="http://schemas.microsoft.com/office/drawing/2014/main" xmlns="" id="{35F4DC18-13F2-43D2-9B15-157998AF1875}"/>
+                  <a16:creationId xmlns:a16="http://schemas.microsoft.com/office/drawing/2014/main" id="{35F4DC18-13F2-43D2-9B15-157998AF1875}"/>
                 </a:ext>
               </a:extLst>
             </p:cNvPr>
@@ -10835,7 +10791,7 @@
             <p:cNvPr id="27" name="Rectangle 26">
               <a:extLst>
                 <a:ext uri="{FF2B5EF4-FFF2-40B4-BE49-F238E27FC236}">
-                  <a16:creationId xmlns:a16="http://schemas.microsoft.com/office/drawing/2014/main" xmlns="" id="{34375A76-1BF8-4628-B0FE-78E1BEB569B2}"/>
+                  <a16:creationId xmlns:a16="http://schemas.microsoft.com/office/drawing/2014/main" id="{34375A76-1BF8-4628-B0FE-78E1BEB569B2}"/>
                 </a:ext>
               </a:extLst>
             </p:cNvPr>
@@ -10886,7 +10842,7 @@
           <p:cNvPr id="13" name="Picture 12" descr="A close up of a logo&#10;&#10;Description automatically generated">
             <a:extLst>
               <a:ext uri="{FF2B5EF4-FFF2-40B4-BE49-F238E27FC236}">
-                <a16:creationId xmlns:a16="http://schemas.microsoft.com/office/drawing/2014/main" xmlns="" id="{DBF62E6F-20D6-4DF2-A881-ECD3EEB1A24C}"/>
+                <a16:creationId xmlns:a16="http://schemas.microsoft.com/office/drawing/2014/main" id="{DBF62E6F-20D6-4DF2-A881-ECD3EEB1A24C}"/>
               </a:ext>
             </a:extLst>
           </p:cNvPr>
@@ -10922,7 +10878,7 @@
           <p:cNvPr id="19" name="Rectangle 18">
             <a:extLst>
               <a:ext uri="{FF2B5EF4-FFF2-40B4-BE49-F238E27FC236}">
-                <a16:creationId xmlns:a16="http://schemas.microsoft.com/office/drawing/2014/main" xmlns="" id="{A6945700-3E62-4469-A35D-2B3AE23A08DF}"/>
+                <a16:creationId xmlns:a16="http://schemas.microsoft.com/office/drawing/2014/main" id="{A6945700-3E62-4469-A35D-2B3AE23A08DF}"/>
               </a:ext>
             </a:extLst>
           </p:cNvPr>
@@ -11002,7 +10958,7 @@
           <p:cNvPr id="22" name="Rectangle 21">
             <a:extLst>
               <a:ext uri="{FF2B5EF4-FFF2-40B4-BE49-F238E27FC236}">
-                <a16:creationId xmlns:a16="http://schemas.microsoft.com/office/drawing/2014/main" xmlns="" id="{620A7DEA-950C-4954-B3B7-2672370FABF4}"/>
+                <a16:creationId xmlns:a16="http://schemas.microsoft.com/office/drawing/2014/main" id="{620A7DEA-950C-4954-B3B7-2672370FABF4}"/>
               </a:ext>
             </a:extLst>
           </p:cNvPr>
@@ -11048,7 +11004,7 @@
           <p:cNvPr id="8" name="Straight Connector 7">
             <a:extLst>
               <a:ext uri="{FF2B5EF4-FFF2-40B4-BE49-F238E27FC236}">
-                <a16:creationId xmlns:a16="http://schemas.microsoft.com/office/drawing/2014/main" xmlns="" id="{A4293697-6E2C-4331-B4E1-C58B355192F4}"/>
+                <a16:creationId xmlns:a16="http://schemas.microsoft.com/office/drawing/2014/main" id="{A4293697-6E2C-4331-B4E1-C58B355192F4}"/>
               </a:ext>
             </a:extLst>
           </p:cNvPr>
@@ -11091,7 +11047,7 @@
           <p:cNvPr id="6" name="Picture 5" descr="A close up of a logo&#10;&#10;Description automatically generated">
             <a:extLst>
               <a:ext uri="{FF2B5EF4-FFF2-40B4-BE49-F238E27FC236}">
-                <a16:creationId xmlns:a16="http://schemas.microsoft.com/office/drawing/2014/main" xmlns="" id="{08D8E659-ABBD-4E58-8353-D33866EBB3E6}"/>
+                <a16:creationId xmlns:a16="http://schemas.microsoft.com/office/drawing/2014/main" id="{08D8E659-ABBD-4E58-8353-D33866EBB3E6}"/>
               </a:ext>
             </a:extLst>
           </p:cNvPr>
@@ -11127,7 +11083,7 @@
           <p:cNvPr id="9" name="Content Placeholder 2">
             <a:extLst>
               <a:ext uri="{FF2B5EF4-FFF2-40B4-BE49-F238E27FC236}">
-                <a16:creationId xmlns:a16="http://schemas.microsoft.com/office/drawing/2014/main" xmlns="" id="{B1AEBD28-7BCD-4BFF-8D86-9C5F49398112}"/>
+                <a16:creationId xmlns:a16="http://schemas.microsoft.com/office/drawing/2014/main" id="{B1AEBD28-7BCD-4BFF-8D86-9C5F49398112}"/>
               </a:ext>
             </a:extLst>
           </p:cNvPr>
@@ -11171,23 +11127,18 @@
           <a:p>
             <a:pPr algn="just"/>
             <a:r>
-              <a:rPr lang="en-US" b="1" i="1" dirty="0" smtClean="0">
+              <a:rPr lang="en-US" b="1" i="1" dirty="0">
                 <a:effectLst/>
                 <a:latin typeface="Calibri" panose="020F0502020204030204" pitchFamily="34" charset="0"/>
                 <a:ea typeface="Times New Roman" panose="02020603050405020304" pitchFamily="18" charset="0"/>
               </a:rPr>
               <a:t>Modern batteries</a:t>
             </a:r>
-            <a:endParaRPr lang="en-US" b="1" i="1" dirty="0">
-              <a:effectLst/>
-              <a:latin typeface="Calibri" panose="020F0502020204030204" pitchFamily="34" charset="0"/>
-              <a:ea typeface="Times New Roman" panose="02020603050405020304" pitchFamily="18" charset="0"/>
-            </a:endParaRPr>
           </a:p>
           <a:p>
             <a:pPr lvl="1" algn="just"/>
             <a:r>
-              <a:rPr lang="en-US" b="1" i="1" dirty="0" smtClean="0">
+              <a:rPr lang="en-US" b="1" i="1" dirty="0">
                 <a:effectLst/>
                 <a:latin typeface="Calibri" panose="020F0502020204030204" pitchFamily="34" charset="0"/>
                 <a:ea typeface="Times New Roman" panose="02020603050405020304" pitchFamily="18" charset="0"/>
@@ -11198,7 +11149,7 @@
           <a:p>
             <a:pPr lvl="2" algn="just"/>
             <a:r>
-              <a:rPr lang="en-US" b="1" i="1" dirty="0" smtClean="0">
+              <a:rPr lang="en-US" b="1" i="1" dirty="0">
                 <a:latin typeface="Calibri" panose="020F0502020204030204" pitchFamily="34" charset="0"/>
                 <a:ea typeface="Times New Roman" panose="02020603050405020304" pitchFamily="18" charset="0"/>
               </a:rPr>
@@ -11208,7 +11159,7 @@
           <a:p>
             <a:pPr lvl="2" algn="just"/>
             <a:r>
-              <a:rPr lang="en-US" b="1" i="1" dirty="0" smtClean="0">
+              <a:rPr lang="en-US" b="1" i="1" dirty="0">
                 <a:effectLst/>
                 <a:latin typeface="Calibri" panose="020F0502020204030204" pitchFamily="34" charset="0"/>
                 <a:ea typeface="Times New Roman" panose="02020603050405020304" pitchFamily="18" charset="0"/>
@@ -11219,7 +11170,7 @@
           <a:p>
             <a:pPr lvl="2" algn="just"/>
             <a:r>
-              <a:rPr lang="en-US" b="1" i="1" dirty="0" smtClean="0">
+              <a:rPr lang="en-US" b="1" i="1" dirty="0">
                 <a:latin typeface="Calibri" panose="020F0502020204030204" pitchFamily="34" charset="0"/>
                 <a:ea typeface="Times New Roman" panose="02020603050405020304" pitchFamily="18" charset="0"/>
               </a:rPr>
@@ -11229,7 +11180,7 @@
           <a:p>
             <a:pPr lvl="2" algn="just"/>
             <a:r>
-              <a:rPr lang="en-US" b="1" i="1" dirty="0" smtClean="0">
+              <a:rPr lang="en-US" b="1" i="1" dirty="0">
                 <a:effectLst/>
                 <a:latin typeface="Calibri" panose="020F0502020204030204" pitchFamily="34" charset="0"/>
                 <a:ea typeface="Times New Roman" panose="02020603050405020304" pitchFamily="18" charset="0"/>
@@ -11240,41 +11191,31 @@
           <a:p>
             <a:pPr lvl="2" algn="just"/>
             <a:r>
-              <a:rPr lang="en-US" b="1" i="1" dirty="0" smtClean="0">
-                <a:latin typeface="Calibri" panose="020F0502020204030204" pitchFamily="34" charset="0"/>
-                <a:ea typeface="Times New Roman" panose="02020603050405020304" pitchFamily="18" charset="0"/>
-              </a:rPr>
-              <a:t>Applications</a:t>
-            </a:r>
-          </a:p>
-          <a:p>
-            <a:pPr algn="just"/>
-            <a:r>
               <a:rPr lang="en-US" b="1" i="1" dirty="0">
                 <a:latin typeface="Calibri" panose="020F0502020204030204" pitchFamily="34" charset="0"/>
                 <a:ea typeface="Times New Roman" panose="02020603050405020304" pitchFamily="18" charset="0"/>
               </a:rPr>
-              <a:t>Lithium batteries</a:t>
-            </a:r>
-          </a:p>
-          <a:p>
-            <a:pPr lvl="1" algn="just"/>
+              <a:t>Applications</a:t>
+            </a:r>
+          </a:p>
+          <a:p>
+            <a:pPr algn="just"/>
             <a:r>
               <a:rPr lang="en-US" b="1" i="1" dirty="0">
                 <a:latin typeface="Calibri" panose="020F0502020204030204" pitchFamily="34" charset="0"/>
                 <a:ea typeface="Times New Roman" panose="02020603050405020304" pitchFamily="18" charset="0"/>
               </a:rPr>
-              <a:t>Lithium - ion battery</a:t>
-            </a:r>
-          </a:p>
-          <a:p>
-            <a:pPr lvl="2" algn="just"/>
+              <a:t>Lithium batteries</a:t>
+            </a:r>
+          </a:p>
+          <a:p>
+            <a:pPr lvl="1" algn="just"/>
             <a:r>
               <a:rPr lang="en-US" b="1" i="1" dirty="0">
                 <a:latin typeface="Calibri" panose="020F0502020204030204" pitchFamily="34" charset="0"/>
                 <a:ea typeface="Times New Roman" panose="02020603050405020304" pitchFamily="18" charset="0"/>
               </a:rPr>
-              <a:t>Construction</a:t>
+              <a:t>Lithium - ion battery</a:t>
             </a:r>
           </a:p>
           <a:p>
@@ -11284,7 +11225,7 @@
                 <a:latin typeface="Calibri" panose="020F0502020204030204" pitchFamily="34" charset="0"/>
                 <a:ea typeface="Times New Roman" panose="02020603050405020304" pitchFamily="18" charset="0"/>
               </a:rPr>
-              <a:t>Working</a:t>
+              <a:t>Construction</a:t>
             </a:r>
           </a:p>
           <a:p>
@@ -11294,7 +11235,7 @@
                 <a:latin typeface="Calibri" panose="020F0502020204030204" pitchFamily="34" charset="0"/>
                 <a:ea typeface="Times New Roman" panose="02020603050405020304" pitchFamily="18" charset="0"/>
               </a:rPr>
-              <a:t>Advantages</a:t>
+              <a:t>Working</a:t>
             </a:r>
           </a:p>
           <a:p>
@@ -11304,22 +11245,28 @@
                 <a:latin typeface="Calibri" panose="020F0502020204030204" pitchFamily="34" charset="0"/>
                 <a:ea typeface="Times New Roman" panose="02020603050405020304" pitchFamily="18" charset="0"/>
               </a:rPr>
-              <a:t>Disadvantages</a:t>
+              <a:t>Advantages</a:t>
             </a:r>
           </a:p>
           <a:p>
             <a:pPr lvl="2" algn="just"/>
             <a:r>
-              <a:rPr lang="en-US" b="1" i="1" dirty="0" smtClean="0">
+              <a:rPr lang="en-US" b="1" i="1" dirty="0">
                 <a:latin typeface="Calibri" panose="020F0502020204030204" pitchFamily="34" charset="0"/>
                 <a:ea typeface="Times New Roman" panose="02020603050405020304" pitchFamily="18" charset="0"/>
               </a:rPr>
+              <a:t>Disadvantages</a:t>
+            </a:r>
+          </a:p>
+          <a:p>
+            <a:pPr lvl="2" algn="just"/>
+            <a:r>
+              <a:rPr lang="en-US" b="1" i="1" dirty="0">
+                <a:latin typeface="Calibri" panose="020F0502020204030204" pitchFamily="34" charset="0"/>
+                <a:ea typeface="Times New Roman" panose="02020603050405020304" pitchFamily="18" charset="0"/>
+              </a:rPr>
               <a:t>Applications</a:t>
             </a:r>
-            <a:endParaRPr lang="en-US" b="1" i="1" dirty="0">
-              <a:latin typeface="Calibri" panose="020F0502020204030204" pitchFamily="34" charset="0"/>
-              <a:ea typeface="Times New Roman" panose="02020603050405020304" pitchFamily="18" charset="0"/>
-            </a:endParaRPr>
           </a:p>
         </p:txBody>
       </p:sp>
@@ -11333,13 +11280,6 @@
   <p:clrMapOvr>
     <a:masterClrMapping/>
   </p:clrMapOvr>
-  <p:timing>
-    <p:tnLst>
-      <p:par>
-        <p:cTn id="1" dur="indefinite" restart="never" nodeType="tmRoot"/>
-      </p:par>
-    </p:tnLst>
-  </p:timing>
 </p:sld>
 </file>
 
@@ -11365,7 +11305,7 @@
           <p:cNvPr id="8" name="Straight Connector 7">
             <a:extLst>
               <a:ext uri="{FF2B5EF4-FFF2-40B4-BE49-F238E27FC236}">
-                <a16:creationId xmlns:a16="http://schemas.microsoft.com/office/drawing/2014/main" xmlns="" id="{A4293697-6E2C-4331-B4E1-C58B355192F4}"/>
+                <a16:creationId xmlns:a16="http://schemas.microsoft.com/office/drawing/2014/main" id="{A4293697-6E2C-4331-B4E1-C58B355192F4}"/>
               </a:ext>
             </a:extLst>
           </p:cNvPr>
@@ -11408,7 +11348,7 @@
           <p:cNvPr id="6" name="Picture 5" descr="A close up of a logo&#10;&#10;Description automatically generated">
             <a:extLst>
               <a:ext uri="{FF2B5EF4-FFF2-40B4-BE49-F238E27FC236}">
-                <a16:creationId xmlns:a16="http://schemas.microsoft.com/office/drawing/2014/main" xmlns="" id="{08D8E659-ABBD-4E58-8353-D33866EBB3E6}"/>
+                <a16:creationId xmlns:a16="http://schemas.microsoft.com/office/drawing/2014/main" id="{08D8E659-ABBD-4E58-8353-D33866EBB3E6}"/>
               </a:ext>
             </a:extLst>
           </p:cNvPr>
@@ -11444,7 +11384,7 @@
           <p:cNvPr id="7" name="Rectangle 6">
             <a:extLst>
               <a:ext uri="{FF2B5EF4-FFF2-40B4-BE49-F238E27FC236}">
-                <a16:creationId xmlns:a16="http://schemas.microsoft.com/office/drawing/2014/main" xmlns="" id="{D14CB69A-0424-4C01-A311-B65E140C5B4A}"/>
+                <a16:creationId xmlns:a16="http://schemas.microsoft.com/office/drawing/2014/main" id="{D14CB69A-0424-4C01-A311-B65E140C5B4A}"/>
               </a:ext>
             </a:extLst>
           </p:cNvPr>
@@ -11880,7 +11820,7 @@
               <a:tabLst/>
             </a:pPr>
             <a:r>
-              <a:rPr kumimoji="0" lang="en-US" sz="2400" b="0" i="0" u="none" strike="noStrike" cap="none" normalizeH="0" baseline="0" dirty="0" smtClean="0">
+              <a:rPr kumimoji="0" lang="en-US" sz="2400" b="0" i="0" u="none" strike="noStrike" cap="none" normalizeH="0" baseline="0" dirty="0">
                 <a:ln>
                   <a:noFill/>
                 </a:ln>
@@ -11895,7 +11835,7 @@
               <a:t> </a:t>
             </a:r>
             <a:r>
-              <a:rPr kumimoji="0" lang="en-US" sz="2200" b="0" i="0" u="none" strike="noStrike" cap="none" normalizeH="0" baseline="0" dirty="0" smtClean="0">
+              <a:rPr kumimoji="0" lang="en-US" sz="2200" b="0" i="0" u="none" strike="noStrike" cap="none" normalizeH="0" baseline="0" dirty="0">
                 <a:ln>
                   <a:noFill/>
                 </a:ln>
@@ -11928,7 +11868,7 @@
               <a:tabLst/>
             </a:pPr>
             <a:r>
-              <a:rPr lang="en-US" sz="2200" dirty="0" smtClean="0">
+              <a:rPr lang="en-US" sz="2200" dirty="0">
                 <a:solidFill>
                   <a:srgbClr val="000000"/>
                 </a:solidFill>
@@ -11939,7 +11879,7 @@
               <a:t> Anode : </a:t>
             </a:r>
             <a:r>
-              <a:rPr lang="en-US" sz="2200" b="1" dirty="0" smtClean="0">
+              <a:rPr lang="en-US" sz="2200" b="1" dirty="0">
                 <a:solidFill>
                   <a:srgbClr val="C42ABD"/>
                 </a:solidFill>
@@ -11950,7 +11890,7 @@
               <a:t>Zn</a:t>
             </a:r>
             <a:r>
-              <a:rPr lang="en-US" sz="2200" dirty="0" smtClean="0">
+              <a:rPr lang="en-US" sz="2200" dirty="0">
                 <a:solidFill>
                   <a:srgbClr val="000000"/>
                 </a:solidFill>
@@ -11961,7 +11901,7 @@
               <a:t> ; Cathode : </a:t>
             </a:r>
             <a:r>
-              <a:rPr lang="en-US" sz="2200" b="1" dirty="0" smtClean="0">
+              <a:rPr lang="en-US" sz="2200" b="1" dirty="0">
                 <a:solidFill>
                   <a:srgbClr val="C42ABD"/>
                 </a:solidFill>
@@ -11972,7 +11912,7 @@
               <a:t>O</a:t>
             </a:r>
             <a:r>
-              <a:rPr lang="en-US" sz="2200" b="1" baseline="-25000" dirty="0" smtClean="0">
+              <a:rPr lang="en-US" sz="2200" b="1" baseline="-25000" dirty="0">
                 <a:solidFill>
                   <a:srgbClr val="C42ABD"/>
                 </a:solidFill>
@@ -11983,7 +11923,7 @@
               <a:t>2</a:t>
             </a:r>
             <a:r>
-              <a:rPr kumimoji="0" lang="en-US" sz="2200" b="0" i="0" u="none" strike="noStrike" cap="none" normalizeH="0" baseline="0" dirty="0" smtClean="0">
+              <a:rPr kumimoji="0" lang="en-US" sz="2200" b="0" i="0" u="none" strike="noStrike" cap="none" normalizeH="0" baseline="0" dirty="0">
                 <a:ln>
                   <a:noFill/>
                 </a:ln>
@@ -12016,7 +11956,7 @@
               <a:tabLst/>
             </a:pPr>
             <a:r>
-              <a:rPr lang="en-US" sz="2200" dirty="0" smtClean="0">
+              <a:rPr lang="en-US" sz="2200" dirty="0">
                 <a:solidFill>
                   <a:srgbClr val="000000"/>
                 </a:solidFill>
@@ -12027,7 +11967,7 @@
               <a:t> Alkaline battery ; electrolyte : </a:t>
             </a:r>
             <a:r>
-              <a:rPr lang="en-US" sz="2200" b="1" dirty="0" smtClean="0">
+              <a:rPr lang="en-US" sz="2200" b="1" dirty="0">
                 <a:solidFill>
                   <a:srgbClr val="C42ABD"/>
                 </a:solidFill>
@@ -12056,7 +11996,7 @@
               <a:tabLst/>
             </a:pPr>
             <a:r>
-              <a:rPr lang="en-US" sz="2200" dirty="0" smtClean="0">
+              <a:rPr lang="en-US" sz="2200" dirty="0">
                 <a:solidFill>
                   <a:srgbClr val="000000"/>
                 </a:solidFill>
@@ -12067,7 +12007,7 @@
               <a:t> U</a:t>
             </a:r>
             <a:r>
-              <a:rPr kumimoji="0" lang="en-US" sz="2200" b="0" i="0" u="none" strike="noStrike" cap="none" normalizeH="0" baseline="0" dirty="0" smtClean="0">
+              <a:rPr kumimoji="0" lang="en-US" sz="2200" b="0" i="0" u="none" strike="noStrike" cap="none" normalizeH="0" baseline="0" dirty="0">
                 <a:ln>
                   <a:noFill/>
                 </a:ln>
@@ -12082,7 +12022,7 @@
               <a:t>ses oxygen directly from the atmosphere to produce </a:t>
             </a:r>
             <a:r>
-              <a:rPr kumimoji="0" lang="en-US" sz="2200" b="0" i="0" u="none" strike="noStrike" cap="none" normalizeH="0" dirty="0" smtClean="0">
+              <a:rPr kumimoji="0" lang="en-US" sz="2200" b="0" i="0" u="none" strike="noStrike" cap="none" normalizeH="0" dirty="0">
                 <a:ln>
                   <a:noFill/>
                 </a:ln>
@@ -12097,7 +12037,7 @@
               <a:t> </a:t>
             </a:r>
             <a:r>
-              <a:rPr kumimoji="0" lang="en-US" sz="2200" b="0" i="0" u="none" strike="noStrike" cap="none" normalizeH="0" baseline="0" dirty="0" smtClean="0">
+              <a:rPr kumimoji="0" lang="en-US" sz="2200" b="0" i="0" u="none" strike="noStrike" cap="none" normalizeH="0" baseline="0" dirty="0">
                 <a:ln>
                   <a:noFill/>
                 </a:ln>
@@ -12109,22 +12049,7 @@
                 <a:ea typeface="Century Schoolbook" pitchFamily="18" charset="0"/>
                 <a:cs typeface="Times New Roman" pitchFamily="18" charset="0"/>
               </a:rPr>
-              <a:t>electrochemical </a:t>
-            </a:r>
-            <a:r>
-              <a:rPr kumimoji="0" lang="en-US" sz="2200" b="0" i="0" u="none" strike="noStrike" cap="none" normalizeH="0" baseline="0" dirty="0" smtClean="0">
-                <a:ln>
-                  <a:noFill/>
-                </a:ln>
-                <a:solidFill>
-                  <a:srgbClr val="000000"/>
-                </a:solidFill>
-                <a:effectLst/>
-                <a:latin typeface="Calibri" pitchFamily="34" charset="0"/>
-                <a:ea typeface="Century Schoolbook" pitchFamily="18" charset="0"/>
-                <a:cs typeface="Times New Roman" pitchFamily="18" charset="0"/>
-              </a:rPr>
-              <a:t>energy</a:t>
+              <a:t>electrochemical energy</a:t>
             </a:r>
           </a:p>
           <a:p>
@@ -12142,16 +12067,8 @@
               <a:buChar char="•"/>
             </a:pPr>
             <a:r>
-              <a:rPr lang="en-IN" sz="2200" dirty="0" smtClean="0"/>
-              <a:t> Cathode active material need not be stored inside the  </a:t>
-            </a:r>
-            <a:r>
-              <a:rPr lang="en-IN" sz="2200" dirty="0" smtClean="0"/>
-              <a:t> </a:t>
-            </a:r>
-            <a:r>
-              <a:rPr lang="en-IN" sz="2200" dirty="0" smtClean="0"/>
-              <a:t>battery</a:t>
+              <a:rPr lang="en-IN" sz="2200" dirty="0"/>
+              <a:t> Cathode active material need not be stored inside the   battery</a:t>
             </a:r>
           </a:p>
           <a:p>
@@ -12169,11 +12086,11 @@
               <a:buChar char="•"/>
             </a:pPr>
             <a:r>
-              <a:rPr lang="en-IN" sz="2200" dirty="0" smtClean="0"/>
+              <a:rPr lang="en-IN" sz="2200" dirty="0"/>
               <a:t> </a:t>
             </a:r>
             <a:r>
-              <a:rPr lang="en-IN" sz="2200" b="1" dirty="0" smtClean="0">
+              <a:rPr lang="en-IN" sz="2200" b="1" dirty="0">
                 <a:solidFill>
                   <a:srgbClr val="C42ABD"/>
                 </a:solidFill>
@@ -12181,7 +12098,7 @@
               <a:t>Energy density</a:t>
             </a:r>
             <a:r>
-              <a:rPr lang="en-IN" sz="2200" dirty="0" smtClean="0"/>
+              <a:rPr lang="en-IN" sz="2200" dirty="0"/>
               <a:t> is very high</a:t>
             </a:r>
           </a:p>
@@ -12194,7 +12111,7 @@
                 <a:spcPct val="0"/>
               </a:spcAft>
             </a:pPr>
-            <a:endParaRPr lang="en-IN" sz="2400" dirty="0" smtClean="0"/>
+            <a:endParaRPr lang="en-IN" sz="2400" dirty="0"/>
           </a:p>
           <a:p>
             <a:pPr marL="0" marR="0" lvl="0" indent="0" algn="l" defTabSz="914400" rtl="0" eaLnBrk="1" fontAlgn="base" latinLnBrk="0" hangingPunct="1">
@@ -12213,7 +12130,7 @@
               <a:buNone/>
               <a:tabLst/>
             </a:pPr>
-            <a:endParaRPr kumimoji="0" lang="en-US" sz="2400" b="0" i="0" u="none" strike="noStrike" cap="none" normalizeH="0" baseline="0" dirty="0" smtClean="0">
+            <a:endParaRPr kumimoji="0" lang="en-US" sz="2400" b="0" i="0" u="none" strike="noStrike" cap="none" normalizeH="0" baseline="0" dirty="0">
               <a:ln>
                 <a:noFill/>
               </a:ln>
@@ -12250,7 +12167,7 @@
           <a:p>
             <a:pPr algn="ctr"/>
             <a:r>
-              <a:rPr lang="en-IN" sz="2800" b="1" dirty="0" smtClean="0">
+              <a:rPr lang="en-IN" sz="2800" b="1" dirty="0">
                 <a:solidFill>
                   <a:srgbClr val="FF0000"/>
                 </a:solidFill>
@@ -12287,7 +12204,7 @@
           <a:lstStyle/>
           <a:p>
             <a:r>
-              <a:rPr lang="en-IN" sz="2400" b="1" dirty="0" smtClean="0">
+              <a:rPr lang="en-IN" sz="2400" b="1" dirty="0">
                 <a:solidFill>
                   <a:schemeClr val="accent1">
                     <a:lumMod val="50000"/>
@@ -12296,13 +12213,6 @@
               </a:rPr>
               <a:t>Zinc air batteries</a:t>
             </a:r>
-            <a:endParaRPr lang="en-IN" sz="2400" b="1" dirty="0">
-              <a:solidFill>
-                <a:schemeClr val="accent1">
-                  <a:lumMod val="50000"/>
-                </a:schemeClr>
-              </a:solidFill>
-            </a:endParaRPr>
           </a:p>
         </p:txBody>
       </p:sp>
@@ -12316,13 +12226,6 @@
   <p:clrMapOvr>
     <a:masterClrMapping/>
   </p:clrMapOvr>
-  <p:timing>
-    <p:tnLst>
-      <p:par>
-        <p:cTn id="1" dur="indefinite" restart="never" nodeType="tmRoot"/>
-      </p:par>
-    </p:tnLst>
-  </p:timing>
 </p:sld>
 </file>
 
@@ -12348,7 +12251,7 @@
           <p:cNvPr id="8" name="Straight Connector 7">
             <a:extLst>
               <a:ext uri="{FF2B5EF4-FFF2-40B4-BE49-F238E27FC236}">
-                <a16:creationId xmlns:a16="http://schemas.microsoft.com/office/drawing/2014/main" xmlns="" id="{A4293697-6E2C-4331-B4E1-C58B355192F4}"/>
+                <a16:creationId xmlns:a16="http://schemas.microsoft.com/office/drawing/2014/main" id="{A4293697-6E2C-4331-B4E1-C58B355192F4}"/>
               </a:ext>
             </a:extLst>
           </p:cNvPr>
@@ -12391,7 +12294,7 @@
           <p:cNvPr id="6" name="Picture 5" descr="A close up of a logo&#10;&#10;Description automatically generated">
             <a:extLst>
               <a:ext uri="{FF2B5EF4-FFF2-40B4-BE49-F238E27FC236}">
-                <a16:creationId xmlns:a16="http://schemas.microsoft.com/office/drawing/2014/main" xmlns="" id="{08D8E659-ABBD-4E58-8353-D33866EBB3E6}"/>
+                <a16:creationId xmlns:a16="http://schemas.microsoft.com/office/drawing/2014/main" id="{08D8E659-ABBD-4E58-8353-D33866EBB3E6}"/>
               </a:ext>
             </a:extLst>
           </p:cNvPr>
@@ -12427,7 +12330,7 @@
           <p:cNvPr id="7" name="Rectangle 6">
             <a:extLst>
               <a:ext uri="{FF2B5EF4-FFF2-40B4-BE49-F238E27FC236}">
-                <a16:creationId xmlns:a16="http://schemas.microsoft.com/office/drawing/2014/main" xmlns="" id="{D14CB69A-0424-4C01-A311-B65E140C5B4A}"/>
+                <a16:creationId xmlns:a16="http://schemas.microsoft.com/office/drawing/2014/main" id="{D14CB69A-0424-4C01-A311-B65E140C5B4A}"/>
               </a:ext>
             </a:extLst>
           </p:cNvPr>
@@ -12473,7 +12376,7 @@
           <p:cNvPr id="11" name="Content Placeholder 2">
             <a:extLst>
               <a:ext uri="{FF2B5EF4-FFF2-40B4-BE49-F238E27FC236}">
-                <a16:creationId xmlns:a16="http://schemas.microsoft.com/office/drawing/2014/main" xmlns="" id="{C20FFE20-8DFD-4934-B1C9-19C4668A36B0}"/>
+                <a16:creationId xmlns:a16="http://schemas.microsoft.com/office/drawing/2014/main" id="{C20FFE20-8DFD-4934-B1C9-19C4668A36B0}"/>
               </a:ext>
             </a:extLst>
           </p:cNvPr>
@@ -12880,7 +12783,7 @@
               </a:lnSpc>
             </a:pPr>
             <a:r>
-              <a:rPr lang="en-IN" sz="2400" b="1" dirty="0" smtClean="0">
+              <a:rPr lang="en-IN" sz="2400" b="1" dirty="0">
                 <a:solidFill>
                   <a:schemeClr val="accent1">
                     <a:lumMod val="50000"/>
@@ -12897,7 +12800,7 @@
               </a:lnSpc>
             </a:pPr>
             <a:r>
-              <a:rPr lang="en-IN" sz="2200" b="1" dirty="0" smtClean="0">
+              <a:rPr lang="en-IN" sz="2200" b="1" dirty="0">
                 <a:solidFill>
                   <a:srgbClr val="C42ABD"/>
                 </a:solidFill>
@@ -12905,7 +12808,7 @@
               <a:t>Anode </a:t>
             </a:r>
             <a:r>
-              <a:rPr lang="en-US" sz="2200" b="1" dirty="0" smtClean="0">
+              <a:rPr lang="en-US" sz="2200" b="1" dirty="0">
                 <a:solidFill>
                   <a:srgbClr val="C42ABD"/>
                 </a:solidFill>
@@ -12913,7 +12816,7 @@
               <a:t>:</a:t>
             </a:r>
             <a:r>
-              <a:rPr lang="en-US" sz="2200" dirty="0" smtClean="0">
+              <a:rPr lang="en-US" sz="2200" dirty="0">
                 <a:solidFill>
                   <a:srgbClr val="0000CC"/>
                 </a:solidFill>
@@ -12921,7 +12824,7 @@
               <a:t> </a:t>
             </a:r>
             <a:r>
-              <a:rPr lang="en-US" sz="2200" b="1" dirty="0" smtClean="0">
+              <a:rPr lang="en-US" sz="2200" b="1" dirty="0">
                 <a:solidFill>
                   <a:srgbClr val="0000CC"/>
                 </a:solidFill>
@@ -12929,7 +12832,7 @@
               <a:t>Z</a:t>
             </a:r>
             <a:r>
-              <a:rPr lang="en-US" sz="2200" dirty="0" smtClean="0"/>
+              <a:rPr lang="en-US" sz="2200" dirty="0"/>
               <a:t>inc granules with gelling agent ( to immobilize the composite and ensure adequate contact with Zinc granules) and a small amount of electrolyte</a:t>
             </a:r>
           </a:p>
@@ -12940,7 +12843,7 @@
               </a:lnSpc>
             </a:pPr>
             <a:r>
-              <a:rPr lang="en-IN" sz="2200" b="1" dirty="0" smtClean="0">
+              <a:rPr lang="en-IN" sz="2200" b="1" dirty="0">
                 <a:solidFill>
                   <a:srgbClr val="C42ABD"/>
                 </a:solidFill>
@@ -12948,7 +12851,7 @@
               <a:t>Cathode:</a:t>
             </a:r>
             <a:r>
-              <a:rPr lang="en-IN" sz="2200" dirty="0" smtClean="0">
+              <a:rPr lang="en-IN" sz="2200" dirty="0">
                 <a:solidFill>
                   <a:srgbClr val="0000CC"/>
                 </a:solidFill>
@@ -12956,7 +12859,7 @@
               <a:t> </a:t>
             </a:r>
             <a:r>
-              <a:rPr lang="en-IN" sz="2200" b="1" dirty="0" smtClean="0">
+              <a:rPr lang="en-IN" sz="2200" b="1" dirty="0">
                 <a:solidFill>
                   <a:srgbClr val="0000CC"/>
                 </a:solidFill>
@@ -12964,39 +12867,39 @@
               <a:t>C</a:t>
             </a:r>
             <a:r>
-              <a:rPr lang="en-US" sz="2200" dirty="0" err="1" smtClean="0"/>
+              <a:rPr lang="en-US" sz="2200" dirty="0" err="1"/>
               <a:t>arbon</a:t>
             </a:r>
             <a:r>
-              <a:rPr lang="en-US" sz="2200" dirty="0" smtClean="0"/>
+              <a:rPr lang="en-US" sz="2200" dirty="0"/>
               <a:t> (graphite) blended with MnO</a:t>
             </a:r>
             <a:r>
-              <a:rPr lang="en-US" sz="2200" baseline="-25000" dirty="0" smtClean="0"/>
+              <a:rPr lang="en-US" sz="2200" baseline="-25000" dirty="0"/>
               <a:t>2</a:t>
             </a:r>
             <a:r>
-              <a:rPr lang="en-US" sz="2200" dirty="0" smtClean="0"/>
+              <a:rPr lang="en-US" sz="2200" dirty="0"/>
               <a:t>(catalyst) </a:t>
             </a:r>
             <a:r>
-              <a:rPr lang="en-IN" sz="2200" dirty="0" smtClean="0"/>
+              <a:rPr lang="en-IN" sz="2200" dirty="0"/>
               <a:t>with a wet proofing agent </a:t>
             </a:r>
             <a:r>
-              <a:rPr lang="en-US" sz="2200" dirty="0" smtClean="0"/>
+              <a:rPr lang="en-US" sz="2200" dirty="0"/>
               <a:t>coated on nickel wire mesh </a:t>
             </a:r>
             <a:r>
-              <a:rPr lang="en-IN" sz="2200" dirty="0" smtClean="0"/>
+              <a:rPr lang="en-IN" sz="2200" dirty="0"/>
               <a:t>support and an outer layer of air permeable Teflon layer. Air access holes on the cathode provide pathway for O</a:t>
             </a:r>
             <a:r>
-              <a:rPr lang="en-IN" sz="2200" baseline="-25000" dirty="0" smtClean="0"/>
+              <a:rPr lang="en-IN" sz="2200" baseline="-25000" dirty="0"/>
               <a:t>2</a:t>
             </a:r>
             <a:r>
-              <a:rPr lang="en-IN" sz="2200" dirty="0" smtClean="0"/>
+              <a:rPr lang="en-IN" sz="2200" dirty="0"/>
               <a:t> to enter the battery</a:t>
             </a:r>
           </a:p>
@@ -13007,7 +12910,7 @@
               </a:lnSpc>
             </a:pPr>
             <a:r>
-              <a:rPr lang="en-US" sz="2200" b="1" dirty="0" smtClean="0">
+              <a:rPr lang="en-US" sz="2200" b="1" dirty="0">
                 <a:solidFill>
                   <a:srgbClr val="C42ABD"/>
                 </a:solidFill>
@@ -13015,7 +12918,7 @@
               <a:t>Electrolyte :</a:t>
             </a:r>
             <a:r>
-              <a:rPr lang="en-US" sz="2200" dirty="0" smtClean="0">
+              <a:rPr lang="en-US" sz="2200" dirty="0">
                 <a:solidFill>
                   <a:srgbClr val="0000CC"/>
                 </a:solidFill>
@@ -13023,7 +12926,7 @@
               <a:t> </a:t>
             </a:r>
             <a:r>
-              <a:rPr lang="en-US" sz="2200" dirty="0" smtClean="0"/>
+              <a:rPr lang="en-US" sz="2200" dirty="0"/>
               <a:t>30% KOH</a:t>
             </a:r>
           </a:p>
@@ -13034,7 +12937,7 @@
               </a:lnSpc>
             </a:pPr>
             <a:r>
-              <a:rPr lang="en-US" sz="2200" b="1" dirty="0" smtClean="0">
+              <a:rPr lang="en-US" sz="2200" b="1" dirty="0">
                 <a:solidFill>
                   <a:srgbClr val="C42ABD"/>
                 </a:solidFill>
@@ -13042,7 +12945,7 @@
               <a:t>Separator :</a:t>
             </a:r>
             <a:r>
-              <a:rPr lang="en-US" sz="2200" dirty="0" smtClean="0">
+              <a:rPr lang="en-US" sz="2200" dirty="0">
                 <a:solidFill>
                   <a:srgbClr val="0000CC"/>
                 </a:solidFill>
@@ -13050,15 +12953,15 @@
               <a:t> </a:t>
             </a:r>
             <a:r>
-              <a:rPr lang="en-US" sz="2200" dirty="0" smtClean="0"/>
+              <a:rPr lang="en-US" sz="2200" dirty="0"/>
               <a:t>Polypropylene membrane soaked in electrolyte</a:t>
             </a:r>
           </a:p>
           <a:p>
-            <a:endParaRPr lang="en-US" sz="2400" dirty="0" smtClean="0"/>
-          </a:p>
-          <a:p>
-            <a:endParaRPr lang="en-US" sz="2400" dirty="0" smtClean="0"/>
+            <a:endParaRPr lang="en-US" sz="2400" dirty="0"/>
+          </a:p>
+          <a:p>
+            <a:endParaRPr lang="en-US" sz="2400" dirty="0"/>
           </a:p>
         </p:txBody>
       </p:sp>
@@ -13072,13 +12975,6 @@
   <p:clrMapOvr>
     <a:masterClrMapping/>
   </p:clrMapOvr>
-  <p:timing>
-    <p:tnLst>
-      <p:par>
-        <p:cTn id="1" dur="indefinite" restart="never" nodeType="tmRoot"/>
-      </p:par>
-    </p:tnLst>
-  </p:timing>
 </p:sld>
 </file>
 
@@ -13104,7 +13000,7 @@
           <p:cNvPr id="8" name="Straight Connector 7">
             <a:extLst>
               <a:ext uri="{FF2B5EF4-FFF2-40B4-BE49-F238E27FC236}">
-                <a16:creationId xmlns:a16="http://schemas.microsoft.com/office/drawing/2014/main" xmlns="" id="{A4293697-6E2C-4331-B4E1-C58B355192F4}"/>
+                <a16:creationId xmlns:a16="http://schemas.microsoft.com/office/drawing/2014/main" id="{A4293697-6E2C-4331-B4E1-C58B355192F4}"/>
               </a:ext>
             </a:extLst>
           </p:cNvPr>
@@ -13147,7 +13043,7 @@
           <p:cNvPr id="6" name="Picture 5" descr="A close up of a logo&#10;&#10;Description automatically generated">
             <a:extLst>
               <a:ext uri="{FF2B5EF4-FFF2-40B4-BE49-F238E27FC236}">
-                <a16:creationId xmlns:a16="http://schemas.microsoft.com/office/drawing/2014/main" xmlns="" id="{08D8E659-ABBD-4E58-8353-D33866EBB3E6}"/>
+                <a16:creationId xmlns:a16="http://schemas.microsoft.com/office/drawing/2014/main" id="{08D8E659-ABBD-4E58-8353-D33866EBB3E6}"/>
               </a:ext>
             </a:extLst>
           </p:cNvPr>
@@ -13183,7 +13079,7 @@
           <p:cNvPr id="7" name="Rectangle 6">
             <a:extLst>
               <a:ext uri="{FF2B5EF4-FFF2-40B4-BE49-F238E27FC236}">
-                <a16:creationId xmlns:a16="http://schemas.microsoft.com/office/drawing/2014/main" xmlns="" id="{D14CB69A-0424-4C01-A311-B65E140C5B4A}"/>
+                <a16:creationId xmlns:a16="http://schemas.microsoft.com/office/drawing/2014/main" id="{D14CB69A-0424-4C01-A311-B65E140C5B4A}"/>
               </a:ext>
             </a:extLst>
           </p:cNvPr>
@@ -13229,7 +13125,7 @@
           <p:cNvPr id="11" name="Content Placeholder 2">
             <a:extLst>
               <a:ext uri="{FF2B5EF4-FFF2-40B4-BE49-F238E27FC236}">
-                <a16:creationId xmlns:a16="http://schemas.microsoft.com/office/drawing/2014/main" xmlns="" id="{C20FFE20-8DFD-4934-B1C9-19C4668A36B0}"/>
+                <a16:creationId xmlns:a16="http://schemas.microsoft.com/office/drawing/2014/main" id="{C20FFE20-8DFD-4934-B1C9-19C4668A36B0}"/>
               </a:ext>
             </a:extLst>
           </p:cNvPr>
@@ -13657,13 +13553,13 @@
           <a:lstStyle/>
           <a:p>
             <a:r>
-              <a:rPr lang="en-GB" sz="1400" dirty="0" err="1" smtClean="0">
+              <a:rPr lang="en-GB" sz="1400" dirty="0" err="1">
                 <a:hlinkClick r:id="rId4"/>
               </a:rPr>
               <a:t>Source:http</a:t>
             </a:r>
             <a:r>
-              <a:rPr lang="en-GB" sz="1400" dirty="0" smtClean="0">
+              <a:rPr lang="en-GB" sz="1400" dirty="0">
                 <a:hlinkClick r:id="rId4"/>
               </a:rPr>
               <a:t>://www.baj.or.jp/e/knowledge/structure.html</a:t>
@@ -13695,7 +13591,7 @@
           <a:lstStyle/>
           <a:p>
             <a:r>
-              <a:rPr lang="en-GB" sz="2400" b="1" dirty="0" smtClean="0">
+              <a:rPr lang="en-GB" sz="2400" b="1" dirty="0">
                 <a:solidFill>
                   <a:schemeClr val="accent1">
                     <a:lumMod val="50000"/>
@@ -13704,13 +13600,6 @@
               </a:rPr>
               <a:t>Cross-section of Zn-air battery</a:t>
             </a:r>
-            <a:endParaRPr lang="en-GB" sz="2400" b="1" dirty="0">
-              <a:solidFill>
-                <a:schemeClr val="accent1">
-                  <a:lumMod val="50000"/>
-                </a:schemeClr>
-              </a:solidFill>
-            </a:endParaRPr>
           </a:p>
         </p:txBody>
       </p:sp>
@@ -13724,13 +13613,6 @@
   <p:clrMapOvr>
     <a:masterClrMapping/>
   </p:clrMapOvr>
-  <p:timing>
-    <p:tnLst>
-      <p:par>
-        <p:cTn id="1" dur="indefinite" restart="never" nodeType="tmRoot"/>
-      </p:par>
-    </p:tnLst>
-  </p:timing>
 </p:sld>
 </file>
 
@@ -13760,7 +13642,7 @@
           <p:nvPr/>
         </p:nvPicPr>
         <p:blipFill>
-          <a:blip r:embed="rId3"/>
+          <a:blip r:embed="rId2"/>
           <a:srcRect l="10471" t="5" r="4888" b="18237"/>
           <a:stretch>
             <a:fillRect/>
@@ -13782,7 +13664,7 @@
           <p:cNvPr id="8" name="Straight Connector 7">
             <a:extLst>
               <a:ext uri="{FF2B5EF4-FFF2-40B4-BE49-F238E27FC236}">
-                <a16:creationId xmlns:a16="http://schemas.microsoft.com/office/drawing/2014/main" xmlns="" id="{A4293697-6E2C-4331-B4E1-C58B355192F4}"/>
+                <a16:creationId xmlns:a16="http://schemas.microsoft.com/office/drawing/2014/main" id="{A4293697-6E2C-4331-B4E1-C58B355192F4}"/>
               </a:ext>
             </a:extLst>
           </p:cNvPr>
@@ -13825,7 +13707,7 @@
           <p:cNvPr id="6" name="Picture 5" descr="A close up of a logo&#10;&#10;Description automatically generated">
             <a:extLst>
               <a:ext uri="{FF2B5EF4-FFF2-40B4-BE49-F238E27FC236}">
-                <a16:creationId xmlns:a16="http://schemas.microsoft.com/office/drawing/2014/main" xmlns="" id="{08D8E659-ABBD-4E58-8353-D33866EBB3E6}"/>
+                <a16:creationId xmlns:a16="http://schemas.microsoft.com/office/drawing/2014/main" id="{08D8E659-ABBD-4E58-8353-D33866EBB3E6}"/>
               </a:ext>
             </a:extLst>
           </p:cNvPr>
@@ -13835,7 +13717,7 @@
           <p:nvPr/>
         </p:nvPicPr>
         <p:blipFill>
-          <a:blip r:embed="rId4" cstate="print">
+          <a:blip r:embed="rId3" cstate="print">
             <a:extLst>
               <a:ext uri="{28A0092B-C50C-407E-A947-70E740481C1C}">
                 <a14:useLocalDpi xmlns:a14="http://schemas.microsoft.com/office/drawing/2010/main" val="0"/>
@@ -13861,7 +13743,7 @@
           <p:cNvPr id="7" name="Rectangle 6">
             <a:extLst>
               <a:ext uri="{FF2B5EF4-FFF2-40B4-BE49-F238E27FC236}">
-                <a16:creationId xmlns:a16="http://schemas.microsoft.com/office/drawing/2014/main" xmlns="" id="{D14CB69A-0424-4C01-A311-B65E140C5B4A}"/>
+                <a16:creationId xmlns:a16="http://schemas.microsoft.com/office/drawing/2014/main" id="{D14CB69A-0424-4C01-A311-B65E140C5B4A}"/>
               </a:ext>
             </a:extLst>
           </p:cNvPr>
@@ -13907,7 +13789,7 @@
           <p:cNvPr id="11" name="Content Placeholder 2">
             <a:extLst>
               <a:ext uri="{FF2B5EF4-FFF2-40B4-BE49-F238E27FC236}">
-                <a16:creationId xmlns:a16="http://schemas.microsoft.com/office/drawing/2014/main" xmlns="" id="{C20FFE20-8DFD-4934-B1C9-19C4668A36B0}"/>
+                <a16:creationId xmlns:a16="http://schemas.microsoft.com/office/drawing/2014/main" id="{C20FFE20-8DFD-4934-B1C9-19C4668A36B0}"/>
               </a:ext>
             </a:extLst>
           </p:cNvPr>
@@ -14303,12 +14185,12 @@
           <a:graphicData uri="http://schemas.openxmlformats.org/presentationml/2006/ole">
             <mc:AlternateContent xmlns:mc="http://schemas.openxmlformats.org/markup-compatibility/2006">
               <mc:Choice xmlns:v="urn:schemas-microsoft-com:vml" Requires="v">
-                <p:oleObj spid="_x0000_s22537" name="ChemSketch" r:id="rId5" imgW="3042000" imgH="1807560" progId="ACD.ChemSketch.20">
+                <p:oleObj name="ChemSketch" r:id="rId4" imgW="3042000" imgH="1807560" progId="ACD.ChemSketch.20">
                   <p:embed/>
                 </p:oleObj>
               </mc:Choice>
               <mc:Fallback>
-                <p:oleObj name="ChemSketch" r:id="rId5" imgW="3042000" imgH="1807560" progId="ACD.ChemSketch.20">
+                <p:oleObj name="ChemSketch" r:id="rId4" imgW="3042000" imgH="1807560" progId="ACD.ChemSketch.20">
                   <p:embed/>
                   <p:pic>
                     <p:nvPicPr>
@@ -14319,7 +14201,7 @@
                       <p:nvPr/>
                     </p:nvPicPr>
                     <p:blipFill>
-                      <a:blip r:embed="rId6">
+                      <a:blip r:embed="rId5">
                         <a:extLst>
                           <a:ext uri="{28A0092B-C50C-407E-A947-70E740481C1C}">
                             <a14:useLocalDpi xmlns:a14="http://schemas.microsoft.com/office/drawing/2010/main" val="0"/>
@@ -14431,7 +14313,7 @@
               <a:tabLst/>
             </a:pPr>
             <a:r>
-              <a:rPr kumimoji="0" lang="en-US" sz="2200" b="1" i="0" u="none" strike="noStrike" cap="none" normalizeH="0" baseline="0" dirty="0" err="1" smtClean="0">
+              <a:rPr kumimoji="0" lang="en-US" sz="2200" b="1" i="0" u="none" strike="noStrike" cap="none" normalizeH="0" baseline="0" dirty="0" err="1">
                 <a:ln>
                   <a:noFill/>
                 </a:ln>
@@ -14446,7 +14328,7 @@
               <a:t>Emf</a:t>
             </a:r>
             <a:r>
-              <a:rPr kumimoji="0" lang="en-US" sz="2200" b="1" i="0" u="none" strike="noStrike" cap="none" normalizeH="0" baseline="0" dirty="0" smtClean="0">
+              <a:rPr kumimoji="0" lang="en-US" sz="2200" b="1" i="0" u="none" strike="noStrike" cap="none" normalizeH="0" baseline="0" dirty="0">
                 <a:ln>
                   <a:noFill/>
                 </a:ln>
@@ -14460,7 +14342,7 @@
               </a:rPr>
               <a:t>: 1.4 V</a:t>
             </a:r>
-            <a:endParaRPr kumimoji="0" lang="en-US" sz="2200" b="1" i="0" u="none" strike="noStrike" cap="none" normalizeH="0" baseline="0" dirty="0" smtClean="0">
+            <a:endParaRPr kumimoji="0" lang="en-US" sz="2200" b="1" i="0" u="none" strike="noStrike" cap="none" normalizeH="0" baseline="0" dirty="0">
               <a:ln>
                 <a:noFill/>
               </a:ln>
@@ -14497,7 +14379,7 @@
           <a:lstStyle/>
           <a:p>
             <a:r>
-              <a:rPr lang="en-GB" sz="2400" b="1" dirty="0" smtClean="0">
+              <a:rPr lang="en-GB" sz="2400" b="1" dirty="0">
                 <a:solidFill>
                   <a:schemeClr val="accent1">
                     <a:lumMod val="50000"/>
@@ -14506,13 +14388,6 @@
               </a:rPr>
               <a:t>Working:</a:t>
             </a:r>
-            <a:endParaRPr lang="en-GB" sz="2400" b="1" dirty="0">
-              <a:solidFill>
-                <a:schemeClr val="accent1">
-                  <a:lumMod val="50000"/>
-                </a:schemeClr>
-              </a:solidFill>
-            </a:endParaRPr>
           </a:p>
         </p:txBody>
       </p:sp>
@@ -14538,14 +14413,14 @@
           <a:lstStyle/>
           <a:p>
             <a:r>
-              <a:rPr lang="en-GB" sz="1400" dirty="0" err="1" smtClean="0">
-                <a:hlinkClick r:id="rId7"/>
+              <a:rPr lang="en-GB" sz="1400" dirty="0" err="1">
+                <a:hlinkClick r:id="rId6"/>
               </a:rPr>
               <a:t>Source:http</a:t>
             </a:r>
             <a:r>
-              <a:rPr lang="en-GB" sz="1400" dirty="0" smtClean="0">
-                <a:hlinkClick r:id="rId7"/>
+              <a:rPr lang="en-GB" sz="1400" dirty="0">
+                <a:hlinkClick r:id="rId6"/>
               </a:rPr>
               <a:t>://www.kosekgroup.cz/equipment/zinc-air-battery/</a:t>
             </a:r>
@@ -14563,13 +14438,6 @@
   <p:clrMapOvr>
     <a:masterClrMapping/>
   </p:clrMapOvr>
-  <p:timing>
-    <p:tnLst>
-      <p:par>
-        <p:cTn id="1" dur="indefinite" restart="never" nodeType="tmRoot"/>
-      </p:par>
-    </p:tnLst>
-  </p:timing>
 </p:sld>
 </file>
 
@@ -14595,7 +14463,7 @@
           <p:cNvPr id="8" name="Straight Connector 7">
             <a:extLst>
               <a:ext uri="{FF2B5EF4-FFF2-40B4-BE49-F238E27FC236}">
-                <a16:creationId xmlns:a16="http://schemas.microsoft.com/office/drawing/2014/main" xmlns="" id="{A4293697-6E2C-4331-B4E1-C58B355192F4}"/>
+                <a16:creationId xmlns:a16="http://schemas.microsoft.com/office/drawing/2014/main" id="{A4293697-6E2C-4331-B4E1-C58B355192F4}"/>
               </a:ext>
             </a:extLst>
           </p:cNvPr>
@@ -14638,7 +14506,7 @@
           <p:cNvPr id="6" name="Picture 5" descr="A close up of a logo&#10;&#10;Description automatically generated">
             <a:extLst>
               <a:ext uri="{FF2B5EF4-FFF2-40B4-BE49-F238E27FC236}">
-                <a16:creationId xmlns:a16="http://schemas.microsoft.com/office/drawing/2014/main" xmlns="" id="{08D8E659-ABBD-4E58-8353-D33866EBB3E6}"/>
+                <a16:creationId xmlns:a16="http://schemas.microsoft.com/office/drawing/2014/main" id="{08D8E659-ABBD-4E58-8353-D33866EBB3E6}"/>
               </a:ext>
             </a:extLst>
           </p:cNvPr>
@@ -14674,7 +14542,7 @@
           <p:cNvPr id="7" name="Rectangle 6">
             <a:extLst>
               <a:ext uri="{FF2B5EF4-FFF2-40B4-BE49-F238E27FC236}">
-                <a16:creationId xmlns:a16="http://schemas.microsoft.com/office/drawing/2014/main" xmlns="" id="{D14CB69A-0424-4C01-A311-B65E140C5B4A}"/>
+                <a16:creationId xmlns:a16="http://schemas.microsoft.com/office/drawing/2014/main" id="{D14CB69A-0424-4C01-A311-B65E140C5B4A}"/>
               </a:ext>
             </a:extLst>
           </p:cNvPr>
@@ -15110,7 +14978,7 @@
               <a:tabLst/>
             </a:pPr>
             <a:r>
-              <a:rPr kumimoji="0" lang="en-US" sz="2400" b="1" i="0" u="none" strike="noStrike" cap="none" normalizeH="0" baseline="0" dirty="0" smtClean="0">
+              <a:rPr kumimoji="0" lang="en-US" sz="2400" b="1" i="0" u="none" strike="noStrike" cap="none" normalizeH="0" baseline="0" dirty="0">
                 <a:ln>
                   <a:noFill/>
                 </a:ln>
@@ -15125,7 +14993,7 @@
               </a:rPr>
               <a:t>Advantages : </a:t>
             </a:r>
-            <a:endParaRPr kumimoji="0" lang="en-US" sz="2400" b="1" i="0" u="none" strike="noStrike" cap="none" normalizeH="0" baseline="0" dirty="0" smtClean="0">
+            <a:endParaRPr kumimoji="0" lang="en-US" sz="2400" b="1" i="0" u="none" strike="noStrike" cap="none" normalizeH="0" baseline="0" dirty="0">
               <a:ln>
                 <a:noFill/>
               </a:ln>
@@ -15156,7 +15024,7 @@
               <a:tabLst/>
             </a:pPr>
             <a:r>
-              <a:rPr kumimoji="0" lang="en-US" sz="2000" b="0" i="0" u="none" strike="noStrike" cap="none" normalizeH="0" baseline="0" dirty="0" smtClean="0">
+              <a:rPr kumimoji="0" lang="en-US" sz="2000" b="0" i="0" u="none" strike="noStrike" cap="none" normalizeH="0" baseline="0" dirty="0">
                 <a:ln>
                   <a:noFill/>
                 </a:ln>
@@ -15169,7 +15037,7 @@
               </a:rPr>
               <a:t>High energy density : Air is taken directly from atmosphere and need not be stored ; doesn't contribute to the mass of the battery</a:t>
             </a:r>
-            <a:endParaRPr kumimoji="0" lang="en-US" sz="2000" b="0" i="0" u="none" strike="noStrike" cap="none" normalizeH="0" baseline="0" dirty="0" smtClean="0">
+            <a:endParaRPr kumimoji="0" lang="en-US" sz="2000" b="0" i="0" u="none" strike="noStrike" cap="none" normalizeH="0" baseline="0" dirty="0">
               <a:ln>
                 <a:noFill/>
               </a:ln>
@@ -15198,7 +15066,7 @@
               <a:tabLst/>
             </a:pPr>
             <a:r>
-              <a:rPr kumimoji="0" lang="en-US" sz="2000" b="0" i="0" u="none" strike="noStrike" cap="none" normalizeH="0" dirty="0" smtClean="0">
+              <a:rPr kumimoji="0" lang="en-US" sz="2000" b="0" i="0" u="none" strike="noStrike" cap="none" normalizeH="0" dirty="0">
                 <a:ln>
                   <a:noFill/>
                 </a:ln>
@@ -15212,7 +15080,7 @@
               <a:t>      Very l</a:t>
             </a:r>
             <a:r>
-              <a:rPr kumimoji="0" lang="en-US" sz="2000" b="0" i="0" u="none" strike="noStrike" cap="none" normalizeH="0" baseline="0" dirty="0" smtClean="0">
+              <a:rPr kumimoji="0" lang="en-US" sz="2000" b="0" i="0" u="none" strike="noStrike" cap="none" normalizeH="0" baseline="0" dirty="0">
                 <a:ln>
                   <a:noFill/>
                 </a:ln>
@@ -15225,7 +15093,7 @@
               </a:rPr>
               <a:t>ong shelf life : It can be kept sealed</a:t>
             </a:r>
-            <a:endParaRPr kumimoji="0" lang="en-US" sz="2000" b="0" i="0" u="none" strike="noStrike" cap="none" normalizeH="0" baseline="0" dirty="0" smtClean="0">
+            <a:endParaRPr kumimoji="0" lang="en-US" sz="2000" b="0" i="0" u="none" strike="noStrike" cap="none" normalizeH="0" baseline="0" dirty="0">
               <a:ln>
                 <a:noFill/>
               </a:ln>
@@ -15254,7 +15122,7 @@
               <a:tabLst/>
             </a:pPr>
             <a:r>
-              <a:rPr kumimoji="0" lang="en-US" sz="2000" b="0" i="0" u="none" strike="noStrike" cap="none" normalizeH="0" baseline="0" dirty="0" smtClean="0">
+              <a:rPr kumimoji="0" lang="en-US" sz="2000" b="0" i="0" u="none" strike="noStrike" cap="none" normalizeH="0" baseline="0" dirty="0">
                 <a:ln>
                   <a:noFill/>
                 </a:ln>
@@ -15267,7 +15135,7 @@
               </a:rPr>
               <a:t>      No ecological problems</a:t>
             </a:r>
-            <a:endParaRPr kumimoji="0" lang="en-US" sz="2000" b="0" i="0" u="none" strike="noStrike" cap="none" normalizeH="0" baseline="0" dirty="0" smtClean="0">
+            <a:endParaRPr kumimoji="0" lang="en-US" sz="2000" b="0" i="0" u="none" strike="noStrike" cap="none" normalizeH="0" baseline="0" dirty="0">
               <a:ln>
                 <a:noFill/>
               </a:ln>
@@ -15296,7 +15164,7 @@
               <a:tabLst/>
             </a:pPr>
             <a:r>
-              <a:rPr kumimoji="0" lang="en-US" sz="2000" b="0" i="0" u="none" strike="noStrike" cap="none" normalizeH="0" dirty="0" smtClean="0">
+              <a:rPr kumimoji="0" lang="en-US" sz="2000" b="0" i="0" u="none" strike="noStrike" cap="none" normalizeH="0" dirty="0">
                 <a:ln>
                   <a:noFill/>
                 </a:ln>
@@ -15310,7 +15178,7 @@
               <a:t>      </a:t>
             </a:r>
             <a:r>
-              <a:rPr kumimoji="0" lang="en-US" sz="2000" b="0" i="0" u="none" strike="noStrike" cap="none" normalizeH="0" baseline="0" dirty="0" smtClean="0">
+              <a:rPr kumimoji="0" lang="en-US" sz="2000" b="0" i="0" u="none" strike="noStrike" cap="none" normalizeH="0" baseline="0" dirty="0">
                 <a:ln>
                   <a:noFill/>
                 </a:ln>
@@ -15323,7 +15191,7 @@
               </a:rPr>
               <a:t>Low cost</a:t>
             </a:r>
-            <a:endParaRPr kumimoji="0" lang="en-US" sz="2000" b="0" i="0" u="none" strike="noStrike" cap="none" normalizeH="0" baseline="0" dirty="0" smtClean="0">
+            <a:endParaRPr kumimoji="0" lang="en-US" sz="2000" b="0" i="0" u="none" strike="noStrike" cap="none" normalizeH="0" baseline="0" dirty="0">
               <a:ln>
                 <a:noFill/>
               </a:ln>
@@ -15352,7 +15220,7 @@
               <a:tabLst/>
             </a:pPr>
             <a:r>
-              <a:rPr kumimoji="0" lang="en-US" sz="2400" b="1" i="0" u="none" strike="noStrike" cap="none" normalizeH="0" baseline="0" dirty="0" smtClean="0">
+              <a:rPr kumimoji="0" lang="en-US" sz="2400" b="1" i="0" u="none" strike="noStrike" cap="none" normalizeH="0" baseline="0" dirty="0">
                 <a:ln>
                   <a:noFill/>
                 </a:ln>
@@ -15367,7 +15235,7 @@
               </a:rPr>
               <a:t>Disadvantages : </a:t>
             </a:r>
-            <a:endParaRPr kumimoji="0" lang="en-US" sz="2400" b="1" i="0" u="none" strike="noStrike" cap="none" normalizeH="0" baseline="0" dirty="0" smtClean="0">
+            <a:endParaRPr kumimoji="0" lang="en-US" sz="2400" b="1" i="0" u="none" strike="noStrike" cap="none" normalizeH="0" baseline="0" dirty="0">
               <a:ln>
                 <a:noFill/>
               </a:ln>
@@ -15398,7 +15266,7 @@
               <a:tabLst/>
             </a:pPr>
             <a:r>
-              <a:rPr kumimoji="0" lang="en-US" sz="2000" b="0" i="0" u="none" strike="noStrike" cap="none" normalizeH="0" baseline="0" dirty="0" smtClean="0">
+              <a:rPr kumimoji="0" lang="en-US" sz="2000" b="0" i="0" u="none" strike="noStrike" cap="none" normalizeH="0" baseline="0" dirty="0">
                 <a:ln>
                   <a:noFill/>
                 </a:ln>
@@ -15411,7 +15279,7 @@
               </a:rPr>
               <a:t>        Limited power output</a:t>
             </a:r>
-            <a:endParaRPr kumimoji="0" lang="en-US" sz="2000" b="0" i="0" u="none" strike="noStrike" cap="none" normalizeH="0" baseline="0" dirty="0" smtClean="0">
+            <a:endParaRPr kumimoji="0" lang="en-US" sz="2000" b="0" i="0" u="none" strike="noStrike" cap="none" normalizeH="0" baseline="0" dirty="0">
               <a:ln>
                 <a:noFill/>
               </a:ln>
@@ -15440,7 +15308,7 @@
               <a:tabLst/>
             </a:pPr>
             <a:r>
-              <a:rPr lang="en-US" sz="2000" dirty="0" smtClean="0">
+              <a:rPr lang="en-US" sz="2000" dirty="0">
                 <a:solidFill>
                   <a:srgbClr val="000000"/>
                 </a:solidFill>
@@ -15450,7 +15318,7 @@
               <a:t> Along with air, </a:t>
             </a:r>
             <a:r>
-              <a:rPr kumimoji="0" lang="en-US" sz="2000" b="0" i="0" u="none" strike="noStrike" cap="none" normalizeH="0" baseline="0" dirty="0" smtClean="0">
+              <a:rPr kumimoji="0" lang="en-US" sz="2000" b="0" i="0" u="none" strike="noStrike" cap="none" normalizeH="0" baseline="0" dirty="0">
                 <a:ln>
                   <a:noFill/>
                 </a:ln>
@@ -15464,7 +15332,7 @@
               <a:t>CO</a:t>
             </a:r>
             <a:r>
-              <a:rPr kumimoji="0" lang="en-US" sz="2000" b="0" i="0" u="none" strike="noStrike" cap="none" normalizeH="0" baseline="-30000" dirty="0" smtClean="0">
+              <a:rPr kumimoji="0" lang="en-US" sz="2000" b="0" i="0" u="none" strike="noStrike" cap="none" normalizeH="0" baseline="-30000" dirty="0">
                 <a:ln>
                   <a:noFill/>
                 </a:ln>
@@ -15478,7 +15346,7 @@
               <a:t>2</a:t>
             </a:r>
             <a:r>
-              <a:rPr kumimoji="0" lang="en-US" sz="2000" b="0" i="0" u="none" strike="noStrike" cap="none" normalizeH="0" baseline="0" dirty="0" smtClean="0">
+              <a:rPr kumimoji="0" lang="en-US" sz="2000" b="0" i="0" u="none" strike="noStrike" cap="none" normalizeH="0" baseline="0" dirty="0">
                 <a:ln>
                   <a:noFill/>
                 </a:ln>
@@ -15492,7 +15360,7 @@
               <a:t> may enter the battery. </a:t>
             </a:r>
             <a:r>
-              <a:rPr kumimoji="0" lang="en-US" sz="2000" b="0" i="0" u="none" strike="noStrike" cap="none" normalizeH="0" dirty="0" smtClean="0">
+              <a:rPr kumimoji="0" lang="en-US" sz="2000" b="0" i="0" u="none" strike="noStrike" cap="none" normalizeH="0" dirty="0">
                 <a:ln>
                   <a:noFill/>
                 </a:ln>
@@ -15506,7 +15374,7 @@
               <a:t> </a:t>
             </a:r>
             <a:r>
-              <a:rPr kumimoji="0" lang="en-US" sz="2000" b="0" i="0" u="none" strike="noStrike" cap="none" normalizeH="0" baseline="0" dirty="0" smtClean="0">
+              <a:rPr kumimoji="0" lang="en-US" sz="2000" b="0" i="0" u="none" strike="noStrike" cap="none" normalizeH="0" baseline="0" dirty="0">
                 <a:ln>
                   <a:noFill/>
                 </a:ln>
@@ -15536,7 +15404,7 @@
               <a:tabLst/>
             </a:pPr>
             <a:r>
-              <a:rPr lang="en-US" sz="2000" dirty="0" smtClean="0">
+              <a:rPr lang="en-US" sz="2000" dirty="0">
                 <a:solidFill>
                   <a:srgbClr val="000000"/>
                 </a:solidFill>
@@ -15546,7 +15414,7 @@
               <a:t>        </a:t>
             </a:r>
             <a:r>
-              <a:rPr kumimoji="0" lang="en-US" sz="2000" b="0" i="0" u="none" strike="noStrike" cap="none" normalizeH="0" baseline="0" dirty="0" smtClean="0">
+              <a:rPr kumimoji="0" lang="en-US" sz="2000" b="0" i="0" u="none" strike="noStrike" cap="none" normalizeH="0" baseline="0" dirty="0">
                 <a:ln>
                   <a:noFill/>
                 </a:ln>
@@ -15560,7 +15428,7 @@
               <a:t>KOH to from K</a:t>
             </a:r>
             <a:r>
-              <a:rPr kumimoji="0" lang="en-US" sz="2000" b="0" i="0" u="none" strike="noStrike" cap="none" normalizeH="0" baseline="-30000" dirty="0" smtClean="0">
+              <a:rPr kumimoji="0" lang="en-US" sz="2000" b="0" i="0" u="none" strike="noStrike" cap="none" normalizeH="0" baseline="-30000" dirty="0">
                 <a:ln>
                   <a:noFill/>
                 </a:ln>
@@ -15574,7 +15442,7 @@
               <a:t>2</a:t>
             </a:r>
             <a:r>
-              <a:rPr kumimoji="0" lang="en-US" sz="2000" b="0" i="0" u="none" strike="noStrike" cap="none" normalizeH="0" baseline="0" dirty="0" smtClean="0">
+              <a:rPr kumimoji="0" lang="en-US" sz="2000" b="0" i="0" u="none" strike="noStrike" cap="none" normalizeH="0" baseline="0" dirty="0">
                 <a:ln>
                   <a:noFill/>
                 </a:ln>
@@ -15588,7 +15456,7 @@
               <a:t>CO</a:t>
             </a:r>
             <a:r>
-              <a:rPr kumimoji="0" lang="en-US" sz="2000" b="0" i="0" u="none" strike="noStrike" cap="none" normalizeH="0" baseline="-30000" dirty="0" smtClean="0">
+              <a:rPr kumimoji="0" lang="en-US" sz="2000" b="0" i="0" u="none" strike="noStrike" cap="none" normalizeH="0" baseline="-30000" dirty="0">
                 <a:ln>
                   <a:noFill/>
                 </a:ln>
@@ -15602,7 +15470,7 @@
               <a:t>3 </a:t>
             </a:r>
             <a:r>
-              <a:rPr kumimoji="0" lang="en-US" sz="2000" b="0" i="0" u="none" strike="noStrike" cap="none" normalizeH="0" baseline="0" dirty="0" smtClean="0">
+              <a:rPr kumimoji="0" lang="en-US" sz="2000" b="0" i="0" u="none" strike="noStrike" cap="none" normalizeH="0" baseline="0" dirty="0">
                 <a:ln>
                   <a:noFill/>
                 </a:ln>
@@ -15629,7 +15497,7 @@
               </a:spcAft>
             </a:pPr>
             <a:r>
-              <a:rPr lang="en-US" sz="2000" dirty="0" smtClean="0">
+              <a:rPr lang="en-US" sz="2000" dirty="0">
                 <a:solidFill>
                   <a:srgbClr val="000000"/>
                 </a:solidFill>
@@ -15638,113 +15506,146 @@
               <a:t>                         </a:t>
             </a:r>
             <a:r>
-              <a:rPr lang="en-US" sz="2000" b="1" dirty="0" smtClean="0">
+              <a:rPr lang="en-US" sz="2000" b="1" dirty="0">
                 <a:solidFill>
                   <a:srgbClr val="7030A0"/>
                 </a:solidFill>
+                <a:highlight>
+                  <a:srgbClr val="FFFF00"/>
+                </a:highlight>
                 <a:cs typeface="Times New Roman" pitchFamily="18" charset="0"/>
               </a:rPr>
               <a:t>CO</a:t>
             </a:r>
             <a:r>
-              <a:rPr lang="en-US" sz="2000" b="1" baseline="-25000" dirty="0" smtClean="0">
+              <a:rPr lang="en-US" sz="2000" b="1" baseline="-25000" dirty="0">
                 <a:solidFill>
                   <a:srgbClr val="7030A0"/>
                 </a:solidFill>
+                <a:highlight>
+                  <a:srgbClr val="FFFF00"/>
+                </a:highlight>
                 <a:cs typeface="Times New Roman" pitchFamily="18" charset="0"/>
               </a:rPr>
               <a:t>2</a:t>
             </a:r>
             <a:r>
-              <a:rPr lang="en-US" sz="2000" b="1" dirty="0" smtClean="0">
+              <a:rPr lang="en-US" sz="2000" b="1" dirty="0">
                 <a:solidFill>
                   <a:srgbClr val="7030A0"/>
                 </a:solidFill>
+                <a:highlight>
+                  <a:srgbClr val="FFFF00"/>
+                </a:highlight>
                 <a:cs typeface="Times New Roman" pitchFamily="18" charset="0"/>
               </a:rPr>
               <a:t> + 2KOH </a:t>
             </a:r>
             <a:r>
-              <a:rPr lang="en-US" sz="2000" b="1" dirty="0" smtClean="0">
+              <a:rPr lang="en-US" sz="2000" b="1" dirty="0">
                 <a:solidFill>
                   <a:srgbClr val="7030A0"/>
                 </a:solidFill>
+                <a:highlight>
+                  <a:srgbClr val="FFFF00"/>
+                </a:highlight>
                 <a:cs typeface="Times New Roman" pitchFamily="18" charset="0"/>
                 <a:sym typeface="Wingdings" pitchFamily="2" charset="2"/>
               </a:rPr>
               <a:t> </a:t>
             </a:r>
             <a:r>
-              <a:rPr lang="en-US" sz="2000" b="1" dirty="0" smtClean="0">
+              <a:rPr lang="en-US" sz="2000" b="1" dirty="0">
                 <a:solidFill>
                   <a:srgbClr val="7030A0"/>
                 </a:solidFill>
+                <a:highlight>
+                  <a:srgbClr val="FFFF00"/>
+                </a:highlight>
                 <a:ea typeface="Century Schoolbook" pitchFamily="18" charset="0"/>
                 <a:cs typeface="Times New Roman" pitchFamily="18" charset="0"/>
               </a:rPr>
               <a:t>K</a:t>
             </a:r>
             <a:r>
-              <a:rPr lang="en-US" sz="2000" b="1" baseline="-30000" dirty="0" smtClean="0">
+              <a:rPr lang="en-US" sz="2000" b="1" baseline="-30000" dirty="0">
                 <a:solidFill>
                   <a:srgbClr val="7030A0"/>
                 </a:solidFill>
+                <a:highlight>
+                  <a:srgbClr val="FFFF00"/>
+                </a:highlight>
                 <a:ea typeface="Century Schoolbook" pitchFamily="18" charset="0"/>
                 <a:cs typeface="Times New Roman" pitchFamily="18" charset="0"/>
               </a:rPr>
               <a:t>2</a:t>
             </a:r>
             <a:r>
-              <a:rPr lang="en-US" sz="2000" b="1" dirty="0" smtClean="0">
+              <a:rPr lang="en-US" sz="2000" b="1" dirty="0">
                 <a:solidFill>
                   <a:srgbClr val="7030A0"/>
                 </a:solidFill>
+                <a:highlight>
+                  <a:srgbClr val="FFFF00"/>
+                </a:highlight>
                 <a:ea typeface="Century Schoolbook" pitchFamily="18" charset="0"/>
                 <a:cs typeface="Times New Roman" pitchFamily="18" charset="0"/>
               </a:rPr>
               <a:t>CO</a:t>
             </a:r>
             <a:r>
-              <a:rPr lang="en-US" sz="2000" b="1" baseline="-30000" dirty="0" smtClean="0">
+              <a:rPr lang="en-US" sz="2000" b="1" baseline="-30000" dirty="0">
                 <a:solidFill>
                   <a:srgbClr val="7030A0"/>
                 </a:solidFill>
+                <a:highlight>
+                  <a:srgbClr val="FFFF00"/>
+                </a:highlight>
                 <a:ea typeface="Century Schoolbook" pitchFamily="18" charset="0"/>
                 <a:cs typeface="Times New Roman" pitchFamily="18" charset="0"/>
               </a:rPr>
               <a:t>3  </a:t>
             </a:r>
             <a:r>
-              <a:rPr lang="en-US" sz="2000" b="1" dirty="0" smtClean="0">
+              <a:rPr lang="en-US" sz="2000" b="1" dirty="0">
                 <a:solidFill>
                   <a:srgbClr val="7030A0"/>
                 </a:solidFill>
+                <a:highlight>
+                  <a:srgbClr val="FFFF00"/>
+                </a:highlight>
                 <a:ea typeface="Century Schoolbook" pitchFamily="18" charset="0"/>
                 <a:cs typeface="Times New Roman" pitchFamily="18" charset="0"/>
               </a:rPr>
               <a:t>+ H</a:t>
             </a:r>
             <a:r>
-              <a:rPr lang="en-US" sz="2000" b="1" baseline="-25000" dirty="0" smtClean="0">
+              <a:rPr lang="en-US" sz="2000" b="1" baseline="-25000" dirty="0">
                 <a:solidFill>
                   <a:srgbClr val="7030A0"/>
                 </a:solidFill>
+                <a:highlight>
+                  <a:srgbClr val="FFFF00"/>
+                </a:highlight>
                 <a:ea typeface="Century Schoolbook" pitchFamily="18" charset="0"/>
                 <a:cs typeface="Times New Roman" pitchFamily="18" charset="0"/>
               </a:rPr>
               <a:t>2</a:t>
             </a:r>
             <a:r>
-              <a:rPr lang="en-US" sz="2000" b="1" dirty="0" smtClean="0">
+              <a:rPr lang="en-US" sz="2000" b="1" dirty="0">
                 <a:solidFill>
                   <a:srgbClr val="7030A0"/>
                 </a:solidFill>
+                <a:highlight>
+                  <a:srgbClr val="FFFF00"/>
+                </a:highlight>
                 <a:ea typeface="Century Schoolbook" pitchFamily="18" charset="0"/>
                 <a:cs typeface="Times New Roman" pitchFamily="18" charset="0"/>
               </a:rPr>
               <a:t>O</a:t>
             </a:r>
-            <a:endParaRPr kumimoji="0" lang="en-US" sz="2000" b="1" i="0" u="none" strike="noStrike" cap="none" normalizeH="0" dirty="0" smtClean="0">
+            <a:endParaRPr kumimoji="0" lang="en-US" sz="2000" b="1" i="0" u="none" strike="noStrike" cap="none" normalizeH="0" dirty="0">
               <a:ln>
                 <a:noFill/>
               </a:ln>
@@ -15752,6 +15653,9 @@
                 <a:srgbClr val="7030A0"/>
               </a:solidFill>
               <a:effectLst/>
+              <a:highlight>
+                <a:srgbClr val="FFFF00"/>
+              </a:highlight>
               <a:cs typeface="Arial" pitchFamily="34" charset="0"/>
             </a:endParaRPr>
           </a:p>
@@ -15767,13 +15671,6 @@
   <p:clrMapOvr>
     <a:masterClrMapping/>
   </p:clrMapOvr>
-  <p:timing>
-    <p:tnLst>
-      <p:par>
-        <p:cTn id="1" dur="indefinite" restart="never" nodeType="tmRoot"/>
-      </p:par>
-    </p:tnLst>
-  </p:timing>
 </p:sld>
 </file>
 
@@ -15799,7 +15696,7 @@
           <p:cNvPr id="8" name="Straight Connector 7">
             <a:extLst>
               <a:ext uri="{FF2B5EF4-FFF2-40B4-BE49-F238E27FC236}">
-                <a16:creationId xmlns:a16="http://schemas.microsoft.com/office/drawing/2014/main" xmlns="" id="{A4293697-6E2C-4331-B4E1-C58B355192F4}"/>
+                <a16:creationId xmlns:a16="http://schemas.microsoft.com/office/drawing/2014/main" id="{A4293697-6E2C-4331-B4E1-C58B355192F4}"/>
               </a:ext>
             </a:extLst>
           </p:cNvPr>
@@ -15842,7 +15739,7 @@
           <p:cNvPr id="6" name="Picture 5" descr="A close up of a logo&#10;&#10;Description automatically generated">
             <a:extLst>
               <a:ext uri="{FF2B5EF4-FFF2-40B4-BE49-F238E27FC236}">
-                <a16:creationId xmlns:a16="http://schemas.microsoft.com/office/drawing/2014/main" xmlns="" id="{08D8E659-ABBD-4E58-8353-D33866EBB3E6}"/>
+                <a16:creationId xmlns:a16="http://schemas.microsoft.com/office/drawing/2014/main" id="{08D8E659-ABBD-4E58-8353-D33866EBB3E6}"/>
               </a:ext>
             </a:extLst>
           </p:cNvPr>
@@ -15878,7 +15775,7 @@
           <p:cNvPr id="7" name="Rectangle 6">
             <a:extLst>
               <a:ext uri="{FF2B5EF4-FFF2-40B4-BE49-F238E27FC236}">
-                <a16:creationId xmlns:a16="http://schemas.microsoft.com/office/drawing/2014/main" xmlns="" id="{D14CB69A-0424-4C01-A311-B65E140C5B4A}"/>
+                <a16:creationId xmlns:a16="http://schemas.microsoft.com/office/drawing/2014/main" id="{D14CB69A-0424-4C01-A311-B65E140C5B4A}"/>
               </a:ext>
             </a:extLst>
           </p:cNvPr>
@@ -15924,7 +15821,7 @@
           <p:cNvPr id="11" name="Content Placeholder 2">
             <a:extLst>
               <a:ext uri="{FF2B5EF4-FFF2-40B4-BE49-F238E27FC236}">
-                <a16:creationId xmlns:a16="http://schemas.microsoft.com/office/drawing/2014/main" xmlns="" id="{C20FFE20-8DFD-4934-B1C9-19C4668A36B0}"/>
+                <a16:creationId xmlns:a16="http://schemas.microsoft.com/office/drawing/2014/main" id="{C20FFE20-8DFD-4934-B1C9-19C4668A36B0}"/>
               </a:ext>
             </a:extLst>
           </p:cNvPr>
@@ -16353,7 +16250,7 @@
               </a:spcAft>
             </a:pPr>
             <a:r>
-              <a:rPr lang="en-US" sz="2400" b="1" dirty="0" smtClean="0">
+              <a:rPr lang="en-US" sz="2400" b="1" dirty="0">
                 <a:solidFill>
                   <a:schemeClr val="accent1">
                     <a:lumMod val="50000"/>
@@ -16364,7 +16261,7 @@
               </a:rPr>
               <a:t>Applications : </a:t>
             </a:r>
-            <a:endParaRPr lang="en-US" sz="2400" b="1" dirty="0" smtClean="0">
+            <a:endParaRPr lang="en-US" sz="2400" b="1" dirty="0">
               <a:solidFill>
                 <a:schemeClr val="accent1">
                   <a:lumMod val="50000"/>
@@ -16388,7 +16285,7 @@
               <a:buChar char="•"/>
             </a:pPr>
             <a:r>
-              <a:rPr lang="en-US" sz="2400" dirty="0" smtClean="0">
+              <a:rPr lang="en-US" sz="2400" dirty="0">
                 <a:solidFill>
                   <a:srgbClr val="000000"/>
                 </a:solidFill>
@@ -16413,7 +16310,7 @@
               <a:buChar char="•"/>
             </a:pPr>
             <a:r>
-              <a:rPr lang="en-US" sz="2400" dirty="0" smtClean="0">
+              <a:rPr lang="en-US" sz="2400" dirty="0">
                 <a:cs typeface="Arial" pitchFamily="34" charset="0"/>
               </a:rPr>
               <a:t>In various medical devices</a:t>
@@ -16434,7 +16331,7 @@
               <a:buChar char="•"/>
             </a:pPr>
             <a:r>
-              <a:rPr lang="en-US" sz="2400" dirty="0" smtClean="0">
+              <a:rPr lang="en-US" sz="2400" dirty="0">
                 <a:cs typeface="Arial" pitchFamily="34" charset="0"/>
               </a:rPr>
               <a:t>In voice transmitters</a:t>
@@ -16455,7 +16352,7 @@
               <a:buChar char="•"/>
             </a:pPr>
             <a:r>
-              <a:rPr lang="en-US" sz="2400" dirty="0" smtClean="0">
+              <a:rPr lang="en-US" sz="2400" dirty="0">
                 <a:solidFill>
                   <a:srgbClr val="000000"/>
                 </a:solidFill>
@@ -16464,7 +16361,7 @@
               </a:rPr>
               <a:t>      Large zinc-air batteries are used in rail-road signaling</a:t>
             </a:r>
-            <a:endParaRPr lang="en-US" sz="2400" dirty="0" smtClean="0">
+            <a:endParaRPr lang="en-US" sz="2400" dirty="0">
               <a:cs typeface="Arial" pitchFamily="34" charset="0"/>
             </a:endParaRPr>
           </a:p>
@@ -16480,13 +16377,6 @@
   <p:clrMapOvr>
     <a:masterClrMapping/>
   </p:clrMapOvr>
-  <p:timing>
-    <p:tnLst>
-      <p:par>
-        <p:cTn id="1" dur="indefinite" restart="never" nodeType="tmRoot"/>
-      </p:par>
-    </p:tnLst>
-  </p:timing>
 </p:sld>
 </file>
 
@@ -16512,7 +16402,7 @@
           <p:cNvPr id="8" name="Straight Connector 7">
             <a:extLst>
               <a:ext uri="{FF2B5EF4-FFF2-40B4-BE49-F238E27FC236}">
-                <a16:creationId xmlns:a16="http://schemas.microsoft.com/office/drawing/2014/main" xmlns="" id="{A4293697-6E2C-4331-B4E1-C58B355192F4}"/>
+                <a16:creationId xmlns:a16="http://schemas.microsoft.com/office/drawing/2014/main" id="{A4293697-6E2C-4331-B4E1-C58B355192F4}"/>
               </a:ext>
             </a:extLst>
           </p:cNvPr>
@@ -16555,7 +16445,7 @@
           <p:cNvPr id="6" name="Picture 5" descr="A close up of a logo&#10;&#10;Description automatically generated">
             <a:extLst>
               <a:ext uri="{FF2B5EF4-FFF2-40B4-BE49-F238E27FC236}">
-                <a16:creationId xmlns:a16="http://schemas.microsoft.com/office/drawing/2014/main" xmlns="" id="{08D8E659-ABBD-4E58-8353-D33866EBB3E6}"/>
+                <a16:creationId xmlns:a16="http://schemas.microsoft.com/office/drawing/2014/main" id="{08D8E659-ABBD-4E58-8353-D33866EBB3E6}"/>
               </a:ext>
             </a:extLst>
           </p:cNvPr>
@@ -16591,7 +16481,7 @@
           <p:cNvPr id="7" name="Rectangle 6">
             <a:extLst>
               <a:ext uri="{FF2B5EF4-FFF2-40B4-BE49-F238E27FC236}">
-                <a16:creationId xmlns:a16="http://schemas.microsoft.com/office/drawing/2014/main" xmlns="" id="{D14CB69A-0424-4C01-A311-B65E140C5B4A}"/>
+                <a16:creationId xmlns:a16="http://schemas.microsoft.com/office/drawing/2014/main" id="{D14CB69A-0424-4C01-A311-B65E140C5B4A}"/>
               </a:ext>
             </a:extLst>
           </p:cNvPr>
@@ -17433,7 +17323,7 @@
   <a:extraClrSchemeLst/>
   <a:extLst>
     <a:ext uri="{05A4C25C-085E-4340-85A3-A5531E510DB2}">
-      <thm15:themeFamily xmlns:thm15="http://schemas.microsoft.com/office/thememl/2012/main" xmlns="" name="Office Theme" id="{62F939B6-93AF-4DB8-9C6B-D6C7DFDC589F}" vid="{4A3C46E8-61CC-4603-A589-7422A47A8E4A}"/>
+      <thm15:themeFamily xmlns:thm15="http://schemas.microsoft.com/office/thememl/2012/main" name="Office Theme" id="{62F939B6-93AF-4DB8-9C6B-D6C7DFDC589F}" vid="{4A3C46E8-61CC-4603-A589-7422A47A8E4A}"/>
     </a:ext>
   </a:extLst>
 </a:theme>
